--- a/HBTechTalk.pptx
+++ b/HBTechTalk.pptx
@@ -123,7 +123,27 @@
       </a:defRPr>
     </a:lvl9pPr>
   </p:defaultTextStyle>
+  <p:extLst>
+    <p:ext uri="{EFAFB233-063F-42B5-8137-9DF3F51BA10A}">
+      <p15:sldGuideLst xmlns:p15="http://schemas.microsoft.com/office/powerpoint/2012/main">
+        <p15:guide id="1" orient="horz" pos="2160">
+          <p15:clr>
+            <a:srgbClr val="A4A3A4"/>
+          </p15:clr>
+        </p15:guide>
+        <p15:guide id="2" pos="2880">
+          <p15:clr>
+            <a:srgbClr val="A4A3A4"/>
+          </p15:clr>
+        </p15:guide>
+      </p15:sldGuideLst>
+    </p:ext>
+  </p:extLst>
 </p:presentation>
+</file>
+
+<file path=ppt/revisionInfo.xml><?xml version="1.0" encoding="utf-8"?>
+<p1510:revInfo xmlns:a="http://schemas.openxmlformats.org/drawingml/2006/main" xmlns:r="http://schemas.openxmlformats.org/officeDocument/2006/relationships" xmlns:p1510="http://schemas.microsoft.com/office/powerpoint/2015/10/main"/>
 </file>
 
 <file path=ppt/notesMasters/notesMaster1.xml><?xml version="1.0" encoding="utf-8"?>
@@ -208,7 +228,7 @@
           <a:p>
             <a:fld id="{0FE74745-D45D-B94B-BB42-FF3F59C5ACF8}" type="datetimeFigureOut">
               <a:rPr lang="en-US" smtClean="0"/>
-              <a:t>1/11/18</a:t>
+              <a:t>1/11/2018</a:t>
             </a:fld>
             <a:endParaRPr lang="en-US"/>
           </a:p>
@@ -272,38 +292,37 @@
           <a:p>
             <a:pPr lvl="0"/>
             <a:r>
-              <a:rPr lang="en-US" smtClean="0"/>
+              <a:rPr lang="en-US"/>
               <a:t>Click to edit Master text styles</a:t>
             </a:r>
           </a:p>
           <a:p>
             <a:pPr lvl="1"/>
             <a:r>
-              <a:rPr lang="en-US" smtClean="0"/>
+              <a:rPr lang="en-US"/>
               <a:t>Second level</a:t>
             </a:r>
           </a:p>
           <a:p>
             <a:pPr lvl="2"/>
             <a:r>
-              <a:rPr lang="en-US" smtClean="0"/>
+              <a:rPr lang="en-US"/>
               <a:t>Third level</a:t>
             </a:r>
           </a:p>
           <a:p>
             <a:pPr lvl="3"/>
             <a:r>
-              <a:rPr lang="en-US" smtClean="0"/>
+              <a:rPr lang="en-US"/>
               <a:t>Fourth level</a:t>
             </a:r>
           </a:p>
           <a:p>
             <a:pPr lvl="4"/>
             <a:r>
-              <a:rPr lang="en-US" smtClean="0"/>
+              <a:rPr lang="en-US"/>
               <a:t>Fifth level</a:t>
             </a:r>
-            <a:endParaRPr lang="en-US"/>
           </a:p>
         </p:txBody>
       </p:sp>
@@ -538,7 +557,7 @@
               <a:defRPr/>
             </a:pPr>
             <a:r>
-              <a:rPr lang="en-US" sz="2000" dirty="0" smtClean="0"/>
+              <a:rPr lang="en-US" sz="2000" dirty="0"/>
               <a:t>What is big data. </a:t>
             </a:r>
           </a:p>
@@ -560,7 +579,7 @@
               <a:tabLst/>
               <a:defRPr/>
             </a:pPr>
-            <a:endParaRPr lang="en-US" sz="2000" dirty="0" smtClean="0"/>
+            <a:endParaRPr lang="en-US" sz="2000" dirty="0"/>
           </a:p>
           <a:p>
             <a:pPr marL="0" marR="0" indent="0" algn="l" defTabSz="457200" rtl="0" eaLnBrk="1" fontAlgn="auto" latinLnBrk="0" hangingPunct="1">
@@ -581,11 +600,11 @@
               <a:defRPr/>
             </a:pPr>
             <a:r>
-              <a:rPr lang="en-US" sz="2000" baseline="0" dirty="0" smtClean="0"/>
+              <a:rPr lang="en-US" sz="2000" baseline="0" dirty="0"/>
               <a:t> - </a:t>
             </a:r>
             <a:r>
-              <a:rPr lang="en-US" sz="2000" dirty="0" smtClean="0"/>
+              <a:rPr lang="en-US" sz="2000" dirty="0"/>
               <a:t>Companies collect tons and tons of data in their day to day operations </a:t>
             </a:r>
           </a:p>
@@ -608,47 +627,47 @@
               <a:defRPr/>
             </a:pPr>
             <a:r>
-              <a:rPr lang="en-US" sz="2000" dirty="0" smtClean="0"/>
+              <a:rPr lang="en-US" sz="2000" dirty="0"/>
               <a:t> -</a:t>
             </a:r>
             <a:r>
-              <a:rPr lang="en-US" sz="2000" baseline="0" dirty="0" smtClean="0"/>
+              <a:rPr lang="en-US" sz="2000" baseline="0" dirty="0"/>
               <a:t> </a:t>
             </a:r>
             <a:r>
-              <a:rPr lang="en-US" sz="2000" dirty="0" smtClean="0"/>
+              <a:rPr lang="en-US" sz="2000" dirty="0"/>
               <a:t>(</a:t>
             </a:r>
             <a:r>
-              <a:rPr lang="en-US" sz="2000" dirty="0" err="1" smtClean="0"/>
+              <a:rPr lang="en-US" sz="2000" dirty="0" err="1"/>
               <a:t>google</a:t>
             </a:r>
             <a:r>
-              <a:rPr lang="en-US" sz="2000" dirty="0" smtClean="0"/>
+              <a:rPr lang="en-US" sz="2000" dirty="0"/>
               <a:t> search, </a:t>
             </a:r>
             <a:r>
-              <a:rPr lang="en-US" sz="2000" dirty="0" err="1" smtClean="0"/>
+              <a:rPr lang="en-US" sz="2000" dirty="0" err="1"/>
               <a:t>youtube</a:t>
             </a:r>
             <a:r>
-              <a:rPr lang="en-US" sz="2000" dirty="0" smtClean="0"/>
+              <a:rPr lang="en-US" sz="2000" dirty="0"/>
               <a:t> videos, tweets, </a:t>
             </a:r>
             <a:r>
-              <a:rPr lang="en-US" sz="2000" dirty="0" err="1" smtClean="0"/>
+              <a:rPr lang="en-US" sz="2000" dirty="0" err="1"/>
               <a:t>facebook</a:t>
             </a:r>
             <a:r>
-              <a:rPr lang="en-US" sz="2000" dirty="0" smtClean="0"/>
+              <a:rPr lang="en-US" sz="2000" dirty="0"/>
               <a:t> pictures, amazon, </a:t>
             </a:r>
             <a:r>
-              <a:rPr lang="en-US" sz="2000" dirty="0" err="1" smtClean="0"/>
+              <a:rPr lang="en-US" sz="2000" dirty="0" err="1"/>
               <a:t>etc</a:t>
             </a:r>
             <a:r>
-              <a:rPr lang="en-US" sz="2000" dirty="0" smtClean="0"/>
+              <a:rPr lang="en-US" sz="2000" dirty="0"/>
               <a:t>). Because of the size of data, traditional databases do not work and scale well.</a:t>
             </a:r>
           </a:p>
@@ -671,7 +690,7 @@
               <a:defRPr/>
             </a:pPr>
             <a:r>
-              <a:rPr lang="en-US" sz="2000" dirty="0" smtClean="0"/>
+              <a:rPr lang="en-US" sz="2000" dirty="0"/>
               <a:t>	</a:t>
             </a:r>
           </a:p>
@@ -693,7 +712,7 @@
               <a:tabLst/>
               <a:defRPr/>
             </a:pPr>
-            <a:endParaRPr lang="en-US" sz="2000" dirty="0" smtClean="0"/>
+            <a:endParaRPr lang="en-US" sz="2000" dirty="0"/>
           </a:p>
           <a:p>
             <a:pPr marL="0" marR="0" indent="0" algn="l" defTabSz="457200" rtl="0" eaLnBrk="1" fontAlgn="auto" latinLnBrk="0" hangingPunct="1">
@@ -714,7 +733,7 @@
               <a:defRPr/>
             </a:pPr>
             <a:r>
-              <a:rPr lang="en-US" sz="2000" dirty="0" smtClean="0"/>
+              <a:rPr lang="en-US" sz="2000" dirty="0"/>
               <a:t>Big data as a concept started because of these Internet and web scale data stores. </a:t>
             </a:r>
           </a:p>
@@ -736,7 +755,7 @@
               <a:tabLst/>
               <a:defRPr/>
             </a:pPr>
-            <a:endParaRPr lang="en-US" sz="2000" dirty="0" smtClean="0"/>
+            <a:endParaRPr lang="en-US" sz="2000" dirty="0"/>
           </a:p>
           <a:p>
             <a:pPr marL="0" marR="0" indent="0" algn="l" defTabSz="457200" rtl="0" eaLnBrk="1" fontAlgn="auto" latinLnBrk="0" hangingPunct="1">
@@ -757,7 +776,7 @@
               <a:defRPr/>
             </a:pPr>
             <a:r>
-              <a:rPr lang="en-US" sz="2000" dirty="0" smtClean="0"/>
+              <a:rPr lang="en-US" sz="2000" dirty="0"/>
               <a:t>Companies now have data in order of Petabytes!! </a:t>
             </a:r>
           </a:p>
@@ -863,34 +882,6 @@
           <a:bodyPr/>
           <a:lstStyle/>
           <a:p>
-            <a:r>
-              <a:rPr lang="en-US" dirty="0" smtClean="0"/>
-              <a:t>Once w</a:t>
-            </a:r>
-            <a:r>
-              <a:rPr lang="en-US" baseline="0" dirty="0" smtClean="0"/>
-              <a:t>e have all the data we care of in one place, now intelligent data science and machine learning algorithms can be run on this. </a:t>
-            </a:r>
-          </a:p>
-          <a:p>
-            <a:endParaRPr lang="en-US" baseline="0" dirty="0" smtClean="0"/>
-          </a:p>
-          <a:p>
-            <a:r>
-              <a:rPr lang="en-US" baseline="0" dirty="0" smtClean="0"/>
-              <a:t>This we can start building reports and trends. </a:t>
-            </a:r>
-          </a:p>
-          <a:p>
-            <a:endParaRPr lang="en-US" baseline="0" dirty="0" smtClean="0"/>
-          </a:p>
-          <a:p>
-            <a:r>
-              <a:rPr lang="en-US" baseline="0" dirty="0" smtClean="0"/>
-              <a:t>Amazon will want to understand and build GTM strategies based on these trends and plans… </a:t>
-            </a:r>
-          </a:p>
-          <a:p>
             <a:endParaRPr lang="en-US" dirty="0"/>
           </a:p>
         </p:txBody>
@@ -912,7 +903,7 @@
           <a:p>
             <a:fld id="{FEC48B2A-3882-C442-908D-1E875F4DB5AC}" type="slidenum">
               <a:rPr lang="en-US" smtClean="0"/>
-              <a:t>15</a:t>
+              <a:t>14</a:t>
             </a:fld>
             <a:endParaRPr lang="en-US"/>
           </a:p>
@@ -921,7 +912,7 @@
     </p:spTree>
     <p:extLst>
       <p:ext uri="{BB962C8B-B14F-4D97-AF65-F5344CB8AC3E}">
-        <p14:creationId xmlns:p14="http://schemas.microsoft.com/office/powerpoint/2010/main" val="1544918452"/>
+        <p14:creationId xmlns:p14="http://schemas.microsoft.com/office/powerpoint/2010/main" val="3854103648"/>
       </p:ext>
     </p:extLst>
   </p:cSld>
@@ -976,33 +967,145 @@
           <a:lstStyle/>
           <a:p>
             <a:r>
-              <a:rPr lang="en-US" dirty="0" smtClean="0"/>
+              <a:rPr lang="en-US" dirty="0"/>
               <a:t>Once w</a:t>
             </a:r>
             <a:r>
-              <a:rPr lang="en-US" baseline="0" dirty="0" smtClean="0"/>
+              <a:rPr lang="en-US" baseline="0" dirty="0"/>
               <a:t>e have all the data we care of in one place, now intelligent data science and machine learning algorithms can be run on this. </a:t>
             </a:r>
           </a:p>
           <a:p>
-            <a:endParaRPr lang="en-US" baseline="0" dirty="0" smtClean="0"/>
-          </a:p>
-          <a:p>
-            <a:r>
-              <a:rPr lang="en-US" baseline="0" dirty="0" smtClean="0"/>
+            <a:endParaRPr lang="en-US" baseline="0" dirty="0"/>
+          </a:p>
+          <a:p>
+            <a:r>
+              <a:rPr lang="en-US" baseline="0" dirty="0"/>
               <a:t>This we can start building reports and trends. </a:t>
             </a:r>
           </a:p>
           <a:p>
-            <a:endParaRPr lang="en-US" baseline="0" dirty="0" smtClean="0"/>
-          </a:p>
-          <a:p>
-            <a:r>
-              <a:rPr lang="en-US" baseline="0" dirty="0" smtClean="0"/>
+            <a:endParaRPr lang="en-US" baseline="0" dirty="0"/>
+          </a:p>
+          <a:p>
+            <a:r>
+              <a:rPr lang="en-US" baseline="0" dirty="0"/>
+              <a:t>Amazon will want to understand and build GTM strategies based on these trends and plans… </a:t>
+            </a:r>
+          </a:p>
+          <a:p>
+            <a:endParaRPr lang="en-US" dirty="0"/>
+          </a:p>
+        </p:txBody>
+      </p:sp>
+      <p:sp>
+        <p:nvSpPr>
+          <p:cNvPr id="4" name="Slide Number Placeholder 3"/>
+          <p:cNvSpPr>
+            <a:spLocks noGrp="1"/>
+          </p:cNvSpPr>
+          <p:nvPr>
+            <p:ph type="sldNum" sz="quarter" idx="10"/>
+          </p:nvPr>
+        </p:nvSpPr>
+        <p:spPr/>
+        <p:txBody>
+          <a:bodyPr/>
+          <a:lstStyle/>
+          <a:p>
+            <a:fld id="{FEC48B2A-3882-C442-908D-1E875F4DB5AC}" type="slidenum">
+              <a:rPr lang="en-US" smtClean="0"/>
+              <a:t>15</a:t>
+            </a:fld>
+            <a:endParaRPr lang="en-US"/>
+          </a:p>
+        </p:txBody>
+      </p:sp>
+    </p:spTree>
+    <p:extLst>
+      <p:ext uri="{BB962C8B-B14F-4D97-AF65-F5344CB8AC3E}">
+        <p14:creationId xmlns:p14="http://schemas.microsoft.com/office/powerpoint/2010/main" val="1544918452"/>
+      </p:ext>
+    </p:extLst>
+  </p:cSld>
+  <p:clrMapOvr>
+    <a:masterClrMapping/>
+  </p:clrMapOvr>
+</p:notes>
+</file>
+
+<file path=ppt/notesSlides/notesSlide12.xml><?xml version="1.0" encoding="utf-8"?>
+<p:notes xmlns:a="http://schemas.openxmlformats.org/drawingml/2006/main" xmlns:r="http://schemas.openxmlformats.org/officeDocument/2006/relationships" xmlns:p="http://schemas.openxmlformats.org/presentationml/2006/main">
+  <p:cSld>
+    <p:spTree>
+      <p:nvGrpSpPr>
+        <p:cNvPr id="1" name=""/>
+        <p:cNvGrpSpPr/>
+        <p:nvPr/>
+      </p:nvGrpSpPr>
+      <p:grpSpPr>
+        <a:xfrm>
+          <a:off x="0" y="0"/>
+          <a:ext cx="0" cy="0"/>
+          <a:chOff x="0" y="0"/>
+          <a:chExt cx="0" cy="0"/>
+        </a:xfrm>
+      </p:grpSpPr>
+      <p:sp>
+        <p:nvSpPr>
+          <p:cNvPr id="2" name="Slide Image Placeholder 1"/>
+          <p:cNvSpPr>
+            <a:spLocks noGrp="1" noRot="1" noChangeAspect="1"/>
+          </p:cNvSpPr>
+          <p:nvPr>
+            <p:ph type="sldImg"/>
+          </p:nvPr>
+        </p:nvSpPr>
+        <p:spPr/>
+      </p:sp>
+      <p:sp>
+        <p:nvSpPr>
+          <p:cNvPr id="3" name="Notes Placeholder 2"/>
+          <p:cNvSpPr>
+            <a:spLocks noGrp="1"/>
+          </p:cNvSpPr>
+          <p:nvPr>
+            <p:ph type="body" idx="1"/>
+          </p:nvPr>
+        </p:nvSpPr>
+        <p:spPr/>
+        <p:txBody>
+          <a:bodyPr/>
+          <a:lstStyle/>
+          <a:p>
+            <a:r>
+              <a:rPr lang="en-US" dirty="0"/>
+              <a:t>Once w</a:t>
+            </a:r>
+            <a:r>
+              <a:rPr lang="en-US" baseline="0" dirty="0"/>
+              <a:t>e have all the data we care of in one place, now intelligent data science and machine learning algorithms can be run on this. </a:t>
+            </a:r>
+          </a:p>
+          <a:p>
+            <a:endParaRPr lang="en-US" baseline="0" dirty="0"/>
+          </a:p>
+          <a:p>
+            <a:r>
+              <a:rPr lang="en-US" baseline="0" dirty="0"/>
+              <a:t>This we can start building reports and trends. </a:t>
+            </a:r>
+          </a:p>
+          <a:p>
+            <a:endParaRPr lang="en-US" baseline="0" dirty="0"/>
+          </a:p>
+          <a:p>
+            <a:r>
+              <a:rPr lang="en-US" baseline="0" dirty="0"/>
               <a:t>Amazon will want to understand and build GTM strategies based on these trends </a:t>
             </a:r>
             <a:r>
-              <a:rPr lang="en-US" baseline="0" smtClean="0"/>
+              <a:rPr lang="en-US" baseline="0"/>
               <a:t>and plans… </a:t>
             </a:r>
           </a:p>
@@ -1092,33 +1195,15 @@
           <a:lstStyle/>
           <a:p>
             <a:r>
-              <a:rPr lang="en-US" dirty="0" smtClean="0"/>
-              <a:t>What is a </a:t>
-            </a:r>
-            <a:r>
-              <a:rPr lang="en-US" dirty="0" err="1" smtClean="0"/>
-              <a:t>peta</a:t>
-            </a:r>
-            <a:r>
-              <a:rPr lang="en-US" dirty="0" smtClean="0"/>
-              <a:t> byte? </a:t>
-            </a:r>
-          </a:p>
-          <a:p>
-            <a:endParaRPr lang="en-US" dirty="0" smtClean="0"/>
-          </a:p>
-          <a:p>
-            <a:r>
-              <a:rPr lang="en-US" dirty="0" smtClean="0"/>
-              <a:t>Companies typically store hundreds</a:t>
-            </a:r>
-            <a:r>
-              <a:rPr lang="en-US" baseline="0" dirty="0" smtClean="0"/>
-              <a:t> of petabytes of data.. And in that data is hidden knowledge and intelligence. </a:t>
-            </a:r>
-          </a:p>
-          <a:p>
-            <a:endParaRPr lang="en-US" dirty="0"/>
+              <a:rPr lang="en-US" dirty="0"/>
+              <a:t>50 million tweets per day</a:t>
+            </a:r>
+          </a:p>
+          <a:p>
+            <a:r>
+              <a:rPr lang="en-US" dirty="0"/>
+              <a:t>24 PB of data processed per day by Google</a:t>
+            </a:r>
           </a:p>
         </p:txBody>
       </p:sp>
@@ -1139,7 +1224,7 @@
           <a:p>
             <a:fld id="{FEC48B2A-3882-C442-908D-1E875F4DB5AC}" type="slidenum">
               <a:rPr lang="en-US" smtClean="0"/>
-              <a:t>5</a:t>
+              <a:t>4</a:t>
             </a:fld>
             <a:endParaRPr lang="en-US"/>
           </a:p>
@@ -1148,7 +1233,7 @@
     </p:spTree>
     <p:extLst>
       <p:ext uri="{BB962C8B-B14F-4D97-AF65-F5344CB8AC3E}">
-        <p14:creationId xmlns:p14="http://schemas.microsoft.com/office/powerpoint/2010/main" val="2858888202"/>
+        <p14:creationId xmlns:p14="http://schemas.microsoft.com/office/powerpoint/2010/main" val="1065673012"/>
       </p:ext>
     </p:extLst>
   </p:cSld>
@@ -1203,57 +1288,32 @@
           <a:lstStyle/>
           <a:p>
             <a:r>
-              <a:rPr lang="en-US" dirty="0" smtClean="0"/>
-              <a:t>What is data warehouse</a:t>
-            </a:r>
-          </a:p>
-          <a:p>
-            <a:r>
-              <a:rPr lang="en-US" dirty="0" smtClean="0"/>
-              <a:t>	- SQL,</a:t>
-            </a:r>
-            <a:r>
-              <a:rPr lang="en-US" baseline="0" dirty="0" smtClean="0"/>
-              <a:t> </a:t>
-            </a:r>
-            <a:r>
-              <a:rPr lang="en-US" baseline="0" dirty="0" err="1" smtClean="0"/>
-              <a:t>NoSQL</a:t>
-            </a:r>
-            <a:r>
-              <a:rPr lang="en-US" baseline="0" dirty="0" smtClean="0"/>
-              <a:t>, </a:t>
-            </a:r>
-          </a:p>
-          <a:p>
-            <a:endParaRPr lang="en-US" baseline="0" dirty="0" smtClean="0"/>
-          </a:p>
-          <a:p>
-            <a:r>
-              <a:rPr lang="en-US" baseline="0" dirty="0" smtClean="0"/>
-              <a:t>What is ETL</a:t>
-            </a:r>
-          </a:p>
-          <a:p>
-            <a:r>
-              <a:rPr lang="en-US" baseline="0" dirty="0" smtClean="0"/>
-              <a:t>	- PYTHON!!! </a:t>
-            </a:r>
-          </a:p>
-          <a:p>
-            <a:endParaRPr lang="en-US" baseline="0" dirty="0" smtClean="0"/>
-          </a:p>
-          <a:p>
-            <a:r>
-              <a:rPr lang="en-US" baseline="0" dirty="0" smtClean="0"/>
-              <a:t>What is visualization</a:t>
-            </a:r>
-          </a:p>
-          <a:p>
-            <a:r>
-              <a:rPr lang="en-US" baseline="0" dirty="0" smtClean="0"/>
-              <a:t>	- Tableau, Micro strategy</a:t>
-            </a:r>
+              <a:rPr lang="en-US" dirty="0"/>
+              <a:t>What is a </a:t>
+            </a:r>
+            <a:r>
+              <a:rPr lang="en-US" dirty="0" err="1"/>
+              <a:t>peta</a:t>
+            </a:r>
+            <a:r>
+              <a:rPr lang="en-US" dirty="0"/>
+              <a:t> byte? </a:t>
+            </a:r>
+          </a:p>
+          <a:p>
+            <a:endParaRPr lang="en-US" dirty="0"/>
+          </a:p>
+          <a:p>
+            <a:r>
+              <a:rPr lang="en-US" dirty="0"/>
+              <a:t>Companies typically store hundreds</a:t>
+            </a:r>
+            <a:r>
+              <a:rPr lang="en-US" baseline="0" dirty="0"/>
+              <a:t> of petabytes of data.. And in that data is hidden knowledge and intelligence. </a:t>
+            </a:r>
+          </a:p>
+          <a:p>
             <a:endParaRPr lang="en-US" dirty="0"/>
           </a:p>
         </p:txBody>
@@ -1275,7 +1335,7 @@
           <a:p>
             <a:fld id="{FEC48B2A-3882-C442-908D-1E875F4DB5AC}" type="slidenum">
               <a:rPr lang="en-US" smtClean="0"/>
-              <a:t>7</a:t>
+              <a:t>5</a:t>
             </a:fld>
             <a:endParaRPr lang="en-US"/>
           </a:p>
@@ -1284,7 +1344,7 @@
     </p:spTree>
     <p:extLst>
       <p:ext uri="{BB962C8B-B14F-4D97-AF65-F5344CB8AC3E}">
-        <p14:creationId xmlns:p14="http://schemas.microsoft.com/office/powerpoint/2010/main" val="4155263136"/>
+        <p14:creationId xmlns:p14="http://schemas.microsoft.com/office/powerpoint/2010/main" val="2858888202"/>
       </p:ext>
     </p:extLst>
   </p:cSld>
@@ -1339,23 +1399,57 @@
           <a:lstStyle/>
           <a:p>
             <a:r>
-              <a:rPr lang="en-US" dirty="0" smtClean="0"/>
-              <a:t>Today we are going to look into a hypothetical example of how Amazon will make smart business decisions based on shopping data collected. </a:t>
-            </a:r>
-          </a:p>
-          <a:p>
-            <a:r>
-              <a:rPr lang="en-US" dirty="0" smtClean="0"/>
+              <a:rPr lang="en-US" dirty="0"/>
+              <a:t>What is data warehouse</a:t>
+            </a:r>
+          </a:p>
+          <a:p>
+            <a:r>
+              <a:rPr lang="en-US" dirty="0"/>
+              <a:t>	- SQL,</a:t>
+            </a:r>
+            <a:r>
+              <a:rPr lang="en-US" baseline="0" dirty="0"/>
               <a:t> </a:t>
             </a:r>
-          </a:p>
-          <a:p>
-            <a:r>
-              <a:rPr lang="en-US" dirty="0" smtClean="0"/>
-              <a:t>We are going to check into umbrellas bought on Amazon and see if there is a relation with the weather changes. </a:t>
-            </a:r>
-          </a:p>
-          <a:p>
+            <a:r>
+              <a:rPr lang="en-US" baseline="0" dirty="0" err="1"/>
+              <a:t>NoSQL</a:t>
+            </a:r>
+            <a:r>
+              <a:rPr lang="en-US" baseline="0" dirty="0"/>
+              <a:t>, </a:t>
+            </a:r>
+          </a:p>
+          <a:p>
+            <a:endParaRPr lang="en-US" baseline="0" dirty="0"/>
+          </a:p>
+          <a:p>
+            <a:r>
+              <a:rPr lang="en-US" baseline="0" dirty="0"/>
+              <a:t>What is ETL</a:t>
+            </a:r>
+          </a:p>
+          <a:p>
+            <a:r>
+              <a:rPr lang="en-US" baseline="0" dirty="0"/>
+              <a:t>	- PYTHON!!! </a:t>
+            </a:r>
+          </a:p>
+          <a:p>
+            <a:endParaRPr lang="en-US" baseline="0" dirty="0"/>
+          </a:p>
+          <a:p>
+            <a:r>
+              <a:rPr lang="en-US" baseline="0" dirty="0"/>
+              <a:t>What is visualization</a:t>
+            </a:r>
+          </a:p>
+          <a:p>
+            <a:r>
+              <a:rPr lang="en-US" baseline="0" dirty="0"/>
+              <a:t>	- Tableau, Micro strategy</a:t>
+            </a:r>
             <a:endParaRPr lang="en-US" dirty="0"/>
           </a:p>
         </p:txBody>
@@ -1377,7 +1471,7 @@
           <a:p>
             <a:fld id="{FEC48B2A-3882-C442-908D-1E875F4DB5AC}" type="slidenum">
               <a:rPr lang="en-US" smtClean="0"/>
-              <a:t>9</a:t>
+              <a:t>7</a:t>
             </a:fld>
             <a:endParaRPr lang="en-US"/>
           </a:p>
@@ -1386,7 +1480,7 @@
     </p:spTree>
     <p:extLst>
       <p:ext uri="{BB962C8B-B14F-4D97-AF65-F5344CB8AC3E}">
-        <p14:creationId xmlns:p14="http://schemas.microsoft.com/office/powerpoint/2010/main" val="3955792202"/>
+        <p14:creationId xmlns:p14="http://schemas.microsoft.com/office/powerpoint/2010/main" val="4155263136"/>
       </p:ext>
     </p:extLst>
   </p:cSld>
@@ -1441,51 +1535,20 @@
           <a:lstStyle/>
           <a:p>
             <a:r>
-              <a:rPr lang="en-US" dirty="0" smtClean="0"/>
-              <a:t>When we shop</a:t>
-            </a:r>
-            <a:r>
-              <a:rPr lang="en-US" baseline="0" dirty="0" smtClean="0"/>
-              <a:t> on Amazon, a ton of things are happening in the background!!!! </a:t>
-            </a:r>
-          </a:p>
-          <a:p>
-            <a:r>
-              <a:rPr lang="en-US" baseline="0" dirty="0" smtClean="0"/>
-              <a:t> - Amazon is creating and saving lots of data about the activities </a:t>
-            </a:r>
-          </a:p>
-          <a:p>
-            <a:r>
-              <a:rPr lang="en-US" baseline="0" dirty="0" smtClean="0"/>
-              <a:t> - It creates an entry into the Orders table : to record details about your order such as the product, user, date of transaction </a:t>
-            </a:r>
-          </a:p>
-          <a:p>
-            <a:endParaRPr lang="en-US" baseline="0" dirty="0" smtClean="0"/>
-          </a:p>
-          <a:p>
-            <a:r>
-              <a:rPr lang="en-US" baseline="0" dirty="0" smtClean="0"/>
-              <a:t>It will create an entry into Fulfillment table – that stores fulfillment details about the order, zip code, date etc. </a:t>
-            </a:r>
-          </a:p>
-          <a:p>
-            <a:endParaRPr lang="en-US" baseline="0" dirty="0" smtClean="0"/>
-          </a:p>
-          <a:p>
-            <a:r>
-              <a:rPr lang="en-US" baseline="0" dirty="0" smtClean="0"/>
-              <a:t>It will update the user table to indicate what product was bought </a:t>
-            </a:r>
-          </a:p>
-          <a:p>
-            <a:endParaRPr lang="en-US" baseline="0" dirty="0" smtClean="0"/>
-          </a:p>
-          <a:p>
-            <a:r>
-              <a:rPr lang="en-US" baseline="0" dirty="0" smtClean="0"/>
-              <a:t>It will create entry in payments table to track all the payment information!!! </a:t>
+              <a:rPr lang="en-US" dirty="0"/>
+              <a:t>Today we are going to look into a hypothetical example of how Amazon will make smart business decisions based on shopping data collected. </a:t>
+            </a:r>
+          </a:p>
+          <a:p>
+            <a:r>
+              <a:rPr lang="en-US" dirty="0"/>
+              <a:t> </a:t>
+            </a:r>
+          </a:p>
+          <a:p>
+            <a:r>
+              <a:rPr lang="en-US" dirty="0"/>
+              <a:t>We are going to check into umbrellas bought on Amazon and see if there is a relation with the weather changes. </a:t>
             </a:r>
           </a:p>
           <a:p>
@@ -1510,7 +1573,7 @@
           <a:p>
             <a:fld id="{FEC48B2A-3882-C442-908D-1E875F4DB5AC}" type="slidenum">
               <a:rPr lang="en-US" smtClean="0"/>
-              <a:t>10</a:t>
+              <a:t>9</a:t>
             </a:fld>
             <a:endParaRPr lang="en-US"/>
           </a:p>
@@ -1519,7 +1582,7 @@
     </p:spTree>
     <p:extLst>
       <p:ext uri="{BB962C8B-B14F-4D97-AF65-F5344CB8AC3E}">
-        <p14:creationId xmlns:p14="http://schemas.microsoft.com/office/powerpoint/2010/main" val="3104954442"/>
+        <p14:creationId xmlns:p14="http://schemas.microsoft.com/office/powerpoint/2010/main" val="3955792202"/>
       </p:ext>
     </p:extLst>
   </p:cSld>
@@ -1574,34 +1637,54 @@
           <a:lstStyle/>
           <a:p>
             <a:r>
-              <a:rPr lang="en-US" dirty="0" smtClean="0"/>
-              <a:t>A data warehouse as the name suggests is a huge collection of tables</a:t>
-            </a:r>
-            <a:r>
-              <a:rPr lang="en-US" baseline="0" dirty="0" smtClean="0"/>
-              <a:t> and data with it. </a:t>
-            </a:r>
-          </a:p>
-          <a:p>
-            <a:r>
-              <a:rPr lang="en-US" baseline="0" dirty="0" smtClean="0"/>
-              <a:t>These tables are connected to each other via various relations and use special schemas – Star and Snowflake. </a:t>
-            </a:r>
-          </a:p>
-          <a:p>
-            <a:endParaRPr lang="en-US" baseline="0" dirty="0" smtClean="0"/>
-          </a:p>
-          <a:p>
-            <a:r>
-              <a:rPr lang="en-US" baseline="0" dirty="0" smtClean="0"/>
-              <a:t>Amazon will make sure all important data is easily accessible</a:t>
-            </a:r>
-          </a:p>
-          <a:p>
-            <a:r>
-              <a:rPr lang="en-US" baseline="0" dirty="0" smtClean="0"/>
-              <a:t>A warehouse will help aggregate data and keep important stuff ready to access </a:t>
-            </a:r>
+              <a:rPr lang="en-US" dirty="0"/>
+              <a:t>When we shop</a:t>
+            </a:r>
+            <a:r>
+              <a:rPr lang="en-US" baseline="0" dirty="0"/>
+              <a:t> on Amazon, a ton of things are happening in the background!!!! </a:t>
+            </a:r>
+          </a:p>
+          <a:p>
+            <a:r>
+              <a:rPr lang="en-US" baseline="0" dirty="0"/>
+              <a:t> - Amazon is creating and saving lots of data about the activities </a:t>
+            </a:r>
+          </a:p>
+          <a:p>
+            <a:r>
+              <a:rPr lang="en-US" baseline="0" dirty="0"/>
+              <a:t> - It creates an entry into the Orders table : to record details about your order such as the product, user, date of transaction </a:t>
+            </a:r>
+          </a:p>
+          <a:p>
+            <a:endParaRPr lang="en-US" baseline="0" dirty="0"/>
+          </a:p>
+          <a:p>
+            <a:r>
+              <a:rPr lang="en-US" baseline="0" dirty="0"/>
+              <a:t>It will create an entry into Fulfillment table – that stores fulfillment details about the order, zip code, date etc. </a:t>
+            </a:r>
+          </a:p>
+          <a:p>
+            <a:endParaRPr lang="en-US" baseline="0" dirty="0"/>
+          </a:p>
+          <a:p>
+            <a:r>
+              <a:rPr lang="en-US" baseline="0" dirty="0"/>
+              <a:t>It will update the user table to indicate what product was bought </a:t>
+            </a:r>
+          </a:p>
+          <a:p>
+            <a:endParaRPr lang="en-US" baseline="0" dirty="0"/>
+          </a:p>
+          <a:p>
+            <a:r>
+              <a:rPr lang="en-US" baseline="0" dirty="0"/>
+              <a:t>It will create entry in payments table to track all the payment information!!! </a:t>
+            </a:r>
+          </a:p>
+          <a:p>
             <a:endParaRPr lang="en-US" dirty="0"/>
           </a:p>
         </p:txBody>
@@ -1623,7 +1706,7 @@
           <a:p>
             <a:fld id="{FEC48B2A-3882-C442-908D-1E875F4DB5AC}" type="slidenum">
               <a:rPr lang="en-US" smtClean="0"/>
-              <a:t>11</a:t>
+              <a:t>10</a:t>
             </a:fld>
             <a:endParaRPr lang="en-US"/>
           </a:p>
@@ -1632,7 +1715,7 @@
     </p:spTree>
     <p:extLst>
       <p:ext uri="{BB962C8B-B14F-4D97-AF65-F5344CB8AC3E}">
-        <p14:creationId xmlns:p14="http://schemas.microsoft.com/office/powerpoint/2010/main" val="2744595941"/>
+        <p14:creationId xmlns:p14="http://schemas.microsoft.com/office/powerpoint/2010/main" val="3104954442"/>
       </p:ext>
     </p:extLst>
   </p:cSld>
@@ -1687,74 +1770,33 @@
           <a:lstStyle/>
           <a:p>
             <a:r>
-              <a:rPr lang="en-US" dirty="0" smtClean="0"/>
-              <a:t>ETL – extract transform</a:t>
-            </a:r>
-            <a:r>
-              <a:rPr lang="en-US" baseline="0" dirty="0" smtClean="0"/>
-              <a:t> load is a process of picking data and converting it into a form that we want. </a:t>
-            </a:r>
-          </a:p>
-          <a:p>
-            <a:r>
-              <a:rPr lang="en-US" baseline="0" dirty="0" smtClean="0"/>
-              <a:t>In this process some data can be  </a:t>
-            </a:r>
-          </a:p>
-          <a:p>
-            <a:r>
-              <a:rPr lang="en-US" baseline="0" dirty="0" smtClean="0"/>
-              <a:t> - Removed,</a:t>
-            </a:r>
-          </a:p>
-          <a:p>
-            <a:r>
-              <a:rPr lang="en-US" baseline="0" dirty="0" smtClean="0"/>
-              <a:t> - merged </a:t>
-            </a:r>
-          </a:p>
-          <a:p>
-            <a:r>
-              <a:rPr lang="en-US" baseline="0" dirty="0" smtClean="0"/>
-              <a:t> - cleansed</a:t>
-            </a:r>
-          </a:p>
-          <a:p>
-            <a:endParaRPr lang="en-US" baseline="0" dirty="0" smtClean="0"/>
-          </a:p>
-          <a:p>
-            <a:r>
-              <a:rPr lang="en-US" baseline="0" dirty="0" smtClean="0"/>
-              <a:t>In our example we will read data about umbrella purchases and get the user and date time information from some tables. </a:t>
-            </a:r>
-          </a:p>
-          <a:p>
-            <a:r>
-              <a:rPr lang="en-US" baseline="0" dirty="0" smtClean="0"/>
-              <a:t>We will then get the shipping zip code and other information from other tables. </a:t>
-            </a:r>
-          </a:p>
-          <a:p>
-            <a:r>
-              <a:rPr lang="en-US" baseline="0" dirty="0" smtClean="0"/>
-              <a:t>Finally we will create a new table that contains useful information about location, </a:t>
-            </a:r>
-            <a:r>
-              <a:rPr lang="en-US" baseline="0" dirty="0" err="1" smtClean="0"/>
-              <a:t>date+time</a:t>
-            </a:r>
-            <a:r>
-              <a:rPr lang="en-US" baseline="0" dirty="0" smtClean="0"/>
-              <a:t> of purchase</a:t>
-            </a:r>
-          </a:p>
-          <a:p>
-            <a:endParaRPr lang="en-US" baseline="0" dirty="0" smtClean="0"/>
-          </a:p>
-          <a:p>
-            <a:r>
-              <a:rPr lang="en-US" baseline="0" dirty="0" smtClean="0"/>
-              <a:t>We CAN WRITE ALL THIS CODE IN PYTHON</a:t>
+              <a:rPr lang="en-US" dirty="0"/>
+              <a:t>A data warehouse as the name suggests is a huge collection of tables</a:t>
+            </a:r>
+            <a:r>
+              <a:rPr lang="en-US" baseline="0" dirty="0"/>
+              <a:t> and data with it. </a:t>
+            </a:r>
+          </a:p>
+          <a:p>
+            <a:r>
+              <a:rPr lang="en-US" baseline="0" dirty="0"/>
+              <a:t>These tables are connected to each other via various relations and use special schemas – Star and Snowflake. </a:t>
+            </a:r>
+          </a:p>
+          <a:p>
+            <a:endParaRPr lang="en-US" baseline="0" dirty="0"/>
+          </a:p>
+          <a:p>
+            <a:r>
+              <a:rPr lang="en-US" baseline="0" dirty="0"/>
+              <a:t>Amazon will make sure all important data is easily accessible</a:t>
+            </a:r>
+          </a:p>
+          <a:p>
+            <a:r>
+              <a:rPr lang="en-US" baseline="0" dirty="0"/>
+              <a:t>A warehouse will help aggregate data and keep important stuff ready to access </a:t>
             </a:r>
             <a:endParaRPr lang="en-US" dirty="0"/>
           </a:p>
@@ -1777,7 +1819,7 @@
           <a:p>
             <a:fld id="{FEC48B2A-3882-C442-908D-1E875F4DB5AC}" type="slidenum">
               <a:rPr lang="en-US" smtClean="0"/>
-              <a:t>12</a:t>
+              <a:t>11</a:t>
             </a:fld>
             <a:endParaRPr lang="en-US"/>
           </a:p>
@@ -1786,7 +1828,7 @@
     </p:spTree>
     <p:extLst>
       <p:ext uri="{BB962C8B-B14F-4D97-AF65-F5344CB8AC3E}">
-        <p14:creationId xmlns:p14="http://schemas.microsoft.com/office/powerpoint/2010/main" val="3854103648"/>
+        <p14:creationId xmlns:p14="http://schemas.microsoft.com/office/powerpoint/2010/main" val="2744595941"/>
       </p:ext>
     </p:extLst>
   </p:cSld>
@@ -1840,6 +1882,76 @@
           <a:bodyPr/>
           <a:lstStyle/>
           <a:p>
+            <a:r>
+              <a:rPr lang="en-US" dirty="0"/>
+              <a:t>ETL – extract transform</a:t>
+            </a:r>
+            <a:r>
+              <a:rPr lang="en-US" baseline="0" dirty="0"/>
+              <a:t> load is a process of picking data and converting it into a form that we want. </a:t>
+            </a:r>
+          </a:p>
+          <a:p>
+            <a:r>
+              <a:rPr lang="en-US" baseline="0" dirty="0"/>
+              <a:t>In this process some data can be  </a:t>
+            </a:r>
+          </a:p>
+          <a:p>
+            <a:r>
+              <a:rPr lang="en-US" baseline="0" dirty="0"/>
+              <a:t> - Removed,</a:t>
+            </a:r>
+          </a:p>
+          <a:p>
+            <a:r>
+              <a:rPr lang="en-US" baseline="0" dirty="0"/>
+              <a:t> - merged </a:t>
+            </a:r>
+          </a:p>
+          <a:p>
+            <a:r>
+              <a:rPr lang="en-US" baseline="0" dirty="0"/>
+              <a:t> - cleansed</a:t>
+            </a:r>
+          </a:p>
+          <a:p>
+            <a:endParaRPr lang="en-US" baseline="0" dirty="0"/>
+          </a:p>
+          <a:p>
+            <a:r>
+              <a:rPr lang="en-US" baseline="0" dirty="0"/>
+              <a:t>In our example we will read data about umbrella purchases and get the user and date time information from some tables. </a:t>
+            </a:r>
+          </a:p>
+          <a:p>
+            <a:r>
+              <a:rPr lang="en-US" baseline="0" dirty="0"/>
+              <a:t>We will then get the shipping zip code and other information from other tables. </a:t>
+            </a:r>
+          </a:p>
+          <a:p>
+            <a:r>
+              <a:rPr lang="en-US" baseline="0" dirty="0"/>
+              <a:t>Finally we will create a new table that contains useful information about location, </a:t>
+            </a:r>
+            <a:r>
+              <a:rPr lang="en-US" baseline="0" dirty="0" err="1"/>
+              <a:t>date+time</a:t>
+            </a:r>
+            <a:r>
+              <a:rPr lang="en-US" baseline="0" dirty="0"/>
+              <a:t> of purchase</a:t>
+            </a:r>
+          </a:p>
+          <a:p>
+            <a:endParaRPr lang="en-US" baseline="0" dirty="0"/>
+          </a:p>
+          <a:p>
+            <a:r>
+              <a:rPr lang="en-US" baseline="0" dirty="0"/>
+              <a:t>We CAN WRITE ALL THIS CODE IN PYTHON</a:t>
+            </a:r>
             <a:endParaRPr lang="en-US" dirty="0"/>
           </a:p>
         </p:txBody>
@@ -1861,7 +1973,7 @@
           <a:p>
             <a:fld id="{FEC48B2A-3882-C442-908D-1E875F4DB5AC}" type="slidenum">
               <a:rPr lang="en-US" smtClean="0"/>
-              <a:t>13</a:t>
+              <a:t>12</a:t>
             </a:fld>
             <a:endParaRPr lang="en-US"/>
           </a:p>
@@ -1945,7 +2057,7 @@
           <a:p>
             <a:fld id="{FEC48B2A-3882-C442-908D-1E875F4DB5AC}" type="slidenum">
               <a:rPr lang="en-US" smtClean="0"/>
-              <a:t>14</a:t>
+              <a:t>13</a:t>
             </a:fld>
             <a:endParaRPr lang="en-US"/>
           </a:p>
@@ -2002,10 +2114,9 @@
           <a:lstStyle/>
           <a:p>
             <a:r>
-              <a:rPr lang="en-US" smtClean="0"/>
+              <a:rPr lang="en-US"/>
               <a:t>Click to edit Master title style</a:t>
             </a:r>
-            <a:endParaRPr lang="en-US"/>
           </a:p>
         </p:txBody>
       </p:sp>
@@ -2121,10 +2232,9 @@
           </a:lstStyle>
           <a:p>
             <a:r>
-              <a:rPr lang="en-US" smtClean="0"/>
+              <a:rPr lang="en-US"/>
               <a:t>Click to edit Master subtitle style</a:t>
             </a:r>
-            <a:endParaRPr lang="en-US"/>
           </a:p>
         </p:txBody>
       </p:sp>
@@ -2145,7 +2255,7 @@
           <a:p>
             <a:fld id="{0FF60B50-4652-3C48-A27A-EE3A74F260CA}" type="datetimeFigureOut">
               <a:rPr lang="en-US" smtClean="0"/>
-              <a:t>1/11/18</a:t>
+              <a:t>1/11/2018</a:t>
             </a:fld>
             <a:endParaRPr lang="en-US"/>
           </a:p>
@@ -2239,10 +2349,9 @@
           <a:lstStyle/>
           <a:p>
             <a:r>
-              <a:rPr lang="en-US" smtClean="0"/>
+              <a:rPr lang="en-US"/>
               <a:t>Click to edit Master title style</a:t>
             </a:r>
-            <a:endParaRPr lang="en-US"/>
           </a:p>
         </p:txBody>
       </p:sp>
@@ -2263,38 +2372,37 @@
           <a:p>
             <a:pPr lvl="0"/>
             <a:r>
-              <a:rPr lang="en-US" smtClean="0"/>
+              <a:rPr lang="en-US"/>
               <a:t>Click to edit Master text styles</a:t>
             </a:r>
           </a:p>
           <a:p>
             <a:pPr lvl="1"/>
             <a:r>
-              <a:rPr lang="en-US" smtClean="0"/>
+              <a:rPr lang="en-US"/>
               <a:t>Second level</a:t>
             </a:r>
           </a:p>
           <a:p>
             <a:pPr lvl="2"/>
             <a:r>
-              <a:rPr lang="en-US" smtClean="0"/>
+              <a:rPr lang="en-US"/>
               <a:t>Third level</a:t>
             </a:r>
           </a:p>
           <a:p>
             <a:pPr lvl="3"/>
             <a:r>
-              <a:rPr lang="en-US" smtClean="0"/>
+              <a:rPr lang="en-US"/>
               <a:t>Fourth level</a:t>
             </a:r>
           </a:p>
           <a:p>
             <a:pPr lvl="4"/>
             <a:r>
-              <a:rPr lang="en-US" smtClean="0"/>
+              <a:rPr lang="en-US"/>
               <a:t>Fifth level</a:t>
             </a:r>
-            <a:endParaRPr lang="en-US"/>
           </a:p>
         </p:txBody>
       </p:sp>
@@ -2315,7 +2423,7 @@
           <a:p>
             <a:fld id="{0FF60B50-4652-3C48-A27A-EE3A74F260CA}" type="datetimeFigureOut">
               <a:rPr lang="en-US" smtClean="0"/>
-              <a:t>1/11/18</a:t>
+              <a:t>1/11/2018</a:t>
             </a:fld>
             <a:endParaRPr lang="en-US"/>
           </a:p>
@@ -2414,10 +2522,9 @@
           <a:lstStyle/>
           <a:p>
             <a:r>
-              <a:rPr lang="en-US" smtClean="0"/>
+              <a:rPr lang="en-US"/>
               <a:t>Click to edit Master title style</a:t>
             </a:r>
-            <a:endParaRPr lang="en-US"/>
           </a:p>
         </p:txBody>
       </p:sp>
@@ -2443,38 +2550,37 @@
           <a:p>
             <a:pPr lvl="0"/>
             <a:r>
-              <a:rPr lang="en-US" smtClean="0"/>
+              <a:rPr lang="en-US"/>
               <a:t>Click to edit Master text styles</a:t>
             </a:r>
           </a:p>
           <a:p>
             <a:pPr lvl="1"/>
             <a:r>
-              <a:rPr lang="en-US" smtClean="0"/>
+              <a:rPr lang="en-US"/>
               <a:t>Second level</a:t>
             </a:r>
           </a:p>
           <a:p>
             <a:pPr lvl="2"/>
             <a:r>
-              <a:rPr lang="en-US" smtClean="0"/>
+              <a:rPr lang="en-US"/>
               <a:t>Third level</a:t>
             </a:r>
           </a:p>
           <a:p>
             <a:pPr lvl="3"/>
             <a:r>
-              <a:rPr lang="en-US" smtClean="0"/>
+              <a:rPr lang="en-US"/>
               <a:t>Fourth level</a:t>
             </a:r>
           </a:p>
           <a:p>
             <a:pPr lvl="4"/>
             <a:r>
-              <a:rPr lang="en-US" smtClean="0"/>
+              <a:rPr lang="en-US"/>
               <a:t>Fifth level</a:t>
             </a:r>
-            <a:endParaRPr lang="en-US"/>
           </a:p>
         </p:txBody>
       </p:sp>
@@ -2495,7 +2601,7 @@
           <a:p>
             <a:fld id="{0FF60B50-4652-3C48-A27A-EE3A74F260CA}" type="datetimeFigureOut">
               <a:rPr lang="en-US" smtClean="0"/>
-              <a:t>1/11/18</a:t>
+              <a:t>1/11/2018</a:t>
             </a:fld>
             <a:endParaRPr lang="en-US"/>
           </a:p>
@@ -2589,10 +2695,9 @@
           <a:lstStyle/>
           <a:p>
             <a:r>
-              <a:rPr lang="en-US" smtClean="0"/>
+              <a:rPr lang="en-US"/>
               <a:t>Click to edit Master title style</a:t>
             </a:r>
-            <a:endParaRPr lang="en-US"/>
           </a:p>
         </p:txBody>
       </p:sp>
@@ -2613,38 +2718,37 @@
           <a:p>
             <a:pPr lvl="0"/>
             <a:r>
-              <a:rPr lang="en-US" smtClean="0"/>
+              <a:rPr lang="en-US"/>
               <a:t>Click to edit Master text styles</a:t>
             </a:r>
           </a:p>
           <a:p>
             <a:pPr lvl="1"/>
             <a:r>
-              <a:rPr lang="en-US" smtClean="0"/>
+              <a:rPr lang="en-US"/>
               <a:t>Second level</a:t>
             </a:r>
           </a:p>
           <a:p>
             <a:pPr lvl="2"/>
             <a:r>
-              <a:rPr lang="en-US" smtClean="0"/>
+              <a:rPr lang="en-US"/>
               <a:t>Third level</a:t>
             </a:r>
           </a:p>
           <a:p>
             <a:pPr lvl="3"/>
             <a:r>
-              <a:rPr lang="en-US" smtClean="0"/>
+              <a:rPr lang="en-US"/>
               <a:t>Fourth level</a:t>
             </a:r>
           </a:p>
           <a:p>
             <a:pPr lvl="4"/>
             <a:r>
-              <a:rPr lang="en-US" smtClean="0"/>
+              <a:rPr lang="en-US"/>
               <a:t>Fifth level</a:t>
             </a:r>
-            <a:endParaRPr lang="en-US"/>
           </a:p>
         </p:txBody>
       </p:sp>
@@ -2665,7 +2769,7 @@
           <a:p>
             <a:fld id="{0FF60B50-4652-3C48-A27A-EE3A74F260CA}" type="datetimeFigureOut">
               <a:rPr lang="en-US" smtClean="0"/>
-              <a:t>1/11/18</a:t>
+              <a:t>1/11/2018</a:t>
             </a:fld>
             <a:endParaRPr lang="en-US"/>
           </a:p>
@@ -2768,10 +2872,9 @@
           </a:lstStyle>
           <a:p>
             <a:r>
-              <a:rPr lang="en-US" smtClean="0"/>
+              <a:rPr lang="en-US"/>
               <a:t>Click to edit Master title style</a:t>
             </a:r>
-            <a:endParaRPr lang="en-US"/>
           </a:p>
         </p:txBody>
       </p:sp>
@@ -2888,7 +2991,7 @@
           <a:p>
             <a:pPr lvl="0"/>
             <a:r>
-              <a:rPr lang="en-US" smtClean="0"/>
+              <a:rPr lang="en-US"/>
               <a:t>Click to edit Master text styles</a:t>
             </a:r>
           </a:p>
@@ -2911,7 +3014,7 @@
           <a:p>
             <a:fld id="{0FF60B50-4652-3C48-A27A-EE3A74F260CA}" type="datetimeFigureOut">
               <a:rPr lang="en-US" smtClean="0"/>
-              <a:t>1/11/18</a:t>
+              <a:t>1/11/2018</a:t>
             </a:fld>
             <a:endParaRPr lang="en-US"/>
           </a:p>
@@ -3005,10 +3108,9 @@
           <a:lstStyle/>
           <a:p>
             <a:r>
-              <a:rPr lang="en-US" smtClean="0"/>
+              <a:rPr lang="en-US"/>
               <a:t>Click to edit Master title style</a:t>
             </a:r>
-            <a:endParaRPr lang="en-US"/>
           </a:p>
         </p:txBody>
       </p:sp>
@@ -3062,38 +3164,37 @@
           <a:p>
             <a:pPr lvl="0"/>
             <a:r>
-              <a:rPr lang="en-US" smtClean="0"/>
+              <a:rPr lang="en-US"/>
               <a:t>Click to edit Master text styles</a:t>
             </a:r>
           </a:p>
           <a:p>
             <a:pPr lvl="1"/>
             <a:r>
-              <a:rPr lang="en-US" smtClean="0"/>
+              <a:rPr lang="en-US"/>
               <a:t>Second level</a:t>
             </a:r>
           </a:p>
           <a:p>
             <a:pPr lvl="2"/>
             <a:r>
-              <a:rPr lang="en-US" smtClean="0"/>
+              <a:rPr lang="en-US"/>
               <a:t>Third level</a:t>
             </a:r>
           </a:p>
           <a:p>
             <a:pPr lvl="3"/>
             <a:r>
-              <a:rPr lang="en-US" smtClean="0"/>
+              <a:rPr lang="en-US"/>
               <a:t>Fourth level</a:t>
             </a:r>
           </a:p>
           <a:p>
             <a:pPr lvl="4"/>
             <a:r>
-              <a:rPr lang="en-US" smtClean="0"/>
+              <a:rPr lang="en-US"/>
               <a:t>Fifth level</a:t>
             </a:r>
-            <a:endParaRPr lang="en-US"/>
           </a:p>
         </p:txBody>
       </p:sp>
@@ -3147,38 +3248,37 @@
           <a:p>
             <a:pPr lvl="0"/>
             <a:r>
-              <a:rPr lang="en-US" smtClean="0"/>
+              <a:rPr lang="en-US"/>
               <a:t>Click to edit Master text styles</a:t>
             </a:r>
           </a:p>
           <a:p>
             <a:pPr lvl="1"/>
             <a:r>
-              <a:rPr lang="en-US" smtClean="0"/>
+              <a:rPr lang="en-US"/>
               <a:t>Second level</a:t>
             </a:r>
           </a:p>
           <a:p>
             <a:pPr lvl="2"/>
             <a:r>
-              <a:rPr lang="en-US" smtClean="0"/>
+              <a:rPr lang="en-US"/>
               <a:t>Third level</a:t>
             </a:r>
           </a:p>
           <a:p>
             <a:pPr lvl="3"/>
             <a:r>
-              <a:rPr lang="en-US" smtClean="0"/>
+              <a:rPr lang="en-US"/>
               <a:t>Fourth level</a:t>
             </a:r>
           </a:p>
           <a:p>
             <a:pPr lvl="4"/>
             <a:r>
-              <a:rPr lang="en-US" smtClean="0"/>
+              <a:rPr lang="en-US"/>
               <a:t>Fifth level</a:t>
             </a:r>
-            <a:endParaRPr lang="en-US"/>
           </a:p>
         </p:txBody>
       </p:sp>
@@ -3199,7 +3299,7 @@
           <a:p>
             <a:fld id="{0FF60B50-4652-3C48-A27A-EE3A74F260CA}" type="datetimeFigureOut">
               <a:rPr lang="en-US" smtClean="0"/>
-              <a:t>1/11/18</a:t>
+              <a:t>1/11/2018</a:t>
             </a:fld>
             <a:endParaRPr lang="en-US"/>
           </a:p>
@@ -3297,10 +3397,9 @@
           </a:lstStyle>
           <a:p>
             <a:r>
-              <a:rPr lang="en-US" smtClean="0"/>
+              <a:rPr lang="en-US"/>
               <a:t>Click to edit Master title style</a:t>
             </a:r>
-            <a:endParaRPr lang="en-US"/>
           </a:p>
         </p:txBody>
       </p:sp>
@@ -3363,7 +3462,7 @@
           <a:p>
             <a:pPr lvl="0"/>
             <a:r>
-              <a:rPr lang="en-US" smtClean="0"/>
+              <a:rPr lang="en-US"/>
               <a:t>Click to edit Master text styles</a:t>
             </a:r>
           </a:p>
@@ -3419,38 +3518,37 @@
           <a:p>
             <a:pPr lvl="0"/>
             <a:r>
-              <a:rPr lang="en-US" smtClean="0"/>
+              <a:rPr lang="en-US"/>
               <a:t>Click to edit Master text styles</a:t>
             </a:r>
           </a:p>
           <a:p>
             <a:pPr lvl="1"/>
             <a:r>
-              <a:rPr lang="en-US" smtClean="0"/>
+              <a:rPr lang="en-US"/>
               <a:t>Second level</a:t>
             </a:r>
           </a:p>
           <a:p>
             <a:pPr lvl="2"/>
             <a:r>
-              <a:rPr lang="en-US" smtClean="0"/>
+              <a:rPr lang="en-US"/>
               <a:t>Third level</a:t>
             </a:r>
           </a:p>
           <a:p>
             <a:pPr lvl="3"/>
             <a:r>
-              <a:rPr lang="en-US" smtClean="0"/>
+              <a:rPr lang="en-US"/>
               <a:t>Fourth level</a:t>
             </a:r>
           </a:p>
           <a:p>
             <a:pPr lvl="4"/>
             <a:r>
-              <a:rPr lang="en-US" smtClean="0"/>
+              <a:rPr lang="en-US"/>
               <a:t>Fifth level</a:t>
             </a:r>
-            <a:endParaRPr lang="en-US"/>
           </a:p>
         </p:txBody>
       </p:sp>
@@ -3513,7 +3611,7 @@
           <a:p>
             <a:pPr lvl="0"/>
             <a:r>
-              <a:rPr lang="en-US" smtClean="0"/>
+              <a:rPr lang="en-US"/>
               <a:t>Click to edit Master text styles</a:t>
             </a:r>
           </a:p>
@@ -3569,38 +3667,37 @@
           <a:p>
             <a:pPr lvl="0"/>
             <a:r>
-              <a:rPr lang="en-US" smtClean="0"/>
+              <a:rPr lang="en-US"/>
               <a:t>Click to edit Master text styles</a:t>
             </a:r>
           </a:p>
           <a:p>
             <a:pPr lvl="1"/>
             <a:r>
-              <a:rPr lang="en-US" smtClean="0"/>
+              <a:rPr lang="en-US"/>
               <a:t>Second level</a:t>
             </a:r>
           </a:p>
           <a:p>
             <a:pPr lvl="2"/>
             <a:r>
-              <a:rPr lang="en-US" smtClean="0"/>
+              <a:rPr lang="en-US"/>
               <a:t>Third level</a:t>
             </a:r>
           </a:p>
           <a:p>
             <a:pPr lvl="3"/>
             <a:r>
-              <a:rPr lang="en-US" smtClean="0"/>
+              <a:rPr lang="en-US"/>
               <a:t>Fourth level</a:t>
             </a:r>
           </a:p>
           <a:p>
             <a:pPr lvl="4"/>
             <a:r>
-              <a:rPr lang="en-US" smtClean="0"/>
+              <a:rPr lang="en-US"/>
               <a:t>Fifth level</a:t>
             </a:r>
-            <a:endParaRPr lang="en-US"/>
           </a:p>
         </p:txBody>
       </p:sp>
@@ -3621,7 +3718,7 @@
           <a:p>
             <a:fld id="{0FF60B50-4652-3C48-A27A-EE3A74F260CA}" type="datetimeFigureOut">
               <a:rPr lang="en-US" smtClean="0"/>
-              <a:t>1/11/18</a:t>
+              <a:t>1/11/2018</a:t>
             </a:fld>
             <a:endParaRPr lang="en-US"/>
           </a:p>
@@ -3715,10 +3812,9 @@
           <a:lstStyle/>
           <a:p>
             <a:r>
-              <a:rPr lang="en-US" smtClean="0"/>
+              <a:rPr lang="en-US"/>
               <a:t>Click to edit Master title style</a:t>
             </a:r>
-            <a:endParaRPr lang="en-US"/>
           </a:p>
         </p:txBody>
       </p:sp>
@@ -3739,7 +3835,7 @@
           <a:p>
             <a:fld id="{0FF60B50-4652-3C48-A27A-EE3A74F260CA}" type="datetimeFigureOut">
               <a:rPr lang="en-US" smtClean="0"/>
-              <a:t>1/11/18</a:t>
+              <a:t>1/11/2018</a:t>
             </a:fld>
             <a:endParaRPr lang="en-US"/>
           </a:p>
@@ -3834,7 +3930,7 @@
           <a:p>
             <a:fld id="{0FF60B50-4652-3C48-A27A-EE3A74F260CA}" type="datetimeFigureOut">
               <a:rPr lang="en-US" smtClean="0"/>
-              <a:t>1/11/18</a:t>
+              <a:t>1/11/2018</a:t>
             </a:fld>
             <a:endParaRPr lang="en-US"/>
           </a:p>
@@ -3937,10 +4033,9 @@
           </a:lstStyle>
           <a:p>
             <a:r>
-              <a:rPr lang="en-US" smtClean="0"/>
+              <a:rPr lang="en-US"/>
               <a:t>Click to edit Master title style</a:t>
             </a:r>
-            <a:endParaRPr lang="en-US"/>
           </a:p>
         </p:txBody>
       </p:sp>
@@ -3994,38 +4089,37 @@
           <a:p>
             <a:pPr lvl="0"/>
             <a:r>
-              <a:rPr lang="en-US" smtClean="0"/>
+              <a:rPr lang="en-US"/>
               <a:t>Click to edit Master text styles</a:t>
             </a:r>
           </a:p>
           <a:p>
             <a:pPr lvl="1"/>
             <a:r>
-              <a:rPr lang="en-US" smtClean="0"/>
+              <a:rPr lang="en-US"/>
               <a:t>Second level</a:t>
             </a:r>
           </a:p>
           <a:p>
             <a:pPr lvl="2"/>
             <a:r>
-              <a:rPr lang="en-US" smtClean="0"/>
+              <a:rPr lang="en-US"/>
               <a:t>Third level</a:t>
             </a:r>
           </a:p>
           <a:p>
             <a:pPr lvl="3"/>
             <a:r>
-              <a:rPr lang="en-US" smtClean="0"/>
+              <a:rPr lang="en-US"/>
               <a:t>Fourth level</a:t>
             </a:r>
           </a:p>
           <a:p>
             <a:pPr lvl="4"/>
             <a:r>
-              <a:rPr lang="en-US" smtClean="0"/>
+              <a:rPr lang="en-US"/>
               <a:t>Fifth level</a:t>
             </a:r>
-            <a:endParaRPr lang="en-US"/>
           </a:p>
         </p:txBody>
       </p:sp>
@@ -4088,7 +4182,7 @@
           <a:p>
             <a:pPr lvl="0"/>
             <a:r>
-              <a:rPr lang="en-US" smtClean="0"/>
+              <a:rPr lang="en-US"/>
               <a:t>Click to edit Master text styles</a:t>
             </a:r>
           </a:p>
@@ -4111,7 +4205,7 @@
           <a:p>
             <a:fld id="{0FF60B50-4652-3C48-A27A-EE3A74F260CA}" type="datetimeFigureOut">
               <a:rPr lang="en-US" smtClean="0"/>
-              <a:t>1/11/18</a:t>
+              <a:t>1/11/2018</a:t>
             </a:fld>
             <a:endParaRPr lang="en-US"/>
           </a:p>
@@ -4214,10 +4308,9 @@
           </a:lstStyle>
           <a:p>
             <a:r>
-              <a:rPr lang="en-US" smtClean="0"/>
+              <a:rPr lang="en-US"/>
               <a:t>Click to edit Master title style</a:t>
             </a:r>
-            <a:endParaRPr lang="en-US"/>
           </a:p>
         </p:txBody>
       </p:sp>
@@ -4341,7 +4434,7 @@
           <a:p>
             <a:pPr lvl="0"/>
             <a:r>
-              <a:rPr lang="en-US" smtClean="0"/>
+              <a:rPr lang="en-US"/>
               <a:t>Click to edit Master text styles</a:t>
             </a:r>
           </a:p>
@@ -4364,7 +4457,7 @@
           <a:p>
             <a:fld id="{0FF60B50-4652-3C48-A27A-EE3A74F260CA}" type="datetimeFigureOut">
               <a:rPr lang="en-US" smtClean="0"/>
-              <a:t>1/11/18</a:t>
+              <a:t>1/11/2018</a:t>
             </a:fld>
             <a:endParaRPr lang="en-US"/>
           </a:p>
@@ -4473,10 +4566,9 @@
           <a:lstStyle/>
           <a:p>
             <a:r>
-              <a:rPr lang="en-US" dirty="0" smtClean="0"/>
+              <a:rPr lang="en-US" dirty="0"/>
               <a:t>Click to edit Master title style</a:t>
             </a:r>
-            <a:endParaRPr lang="en-US" dirty="0"/>
           </a:p>
         </p:txBody>
       </p:sp>
@@ -4507,38 +4599,37 @@
           <a:p>
             <a:pPr lvl="0"/>
             <a:r>
-              <a:rPr lang="en-US" dirty="0" smtClean="0"/>
+              <a:rPr lang="en-US" dirty="0"/>
               <a:t>Click to edit Master text styles</a:t>
             </a:r>
           </a:p>
           <a:p>
             <a:pPr lvl="1"/>
             <a:r>
-              <a:rPr lang="en-US" dirty="0" smtClean="0"/>
+              <a:rPr lang="en-US" dirty="0"/>
               <a:t>Second level</a:t>
             </a:r>
           </a:p>
           <a:p>
             <a:pPr lvl="2"/>
             <a:r>
-              <a:rPr lang="en-US" dirty="0" smtClean="0"/>
+              <a:rPr lang="en-US" dirty="0"/>
               <a:t>Third level</a:t>
             </a:r>
           </a:p>
           <a:p>
             <a:pPr lvl="3"/>
             <a:r>
-              <a:rPr lang="en-US" dirty="0" smtClean="0"/>
+              <a:rPr lang="en-US" dirty="0"/>
               <a:t>Fourth level</a:t>
             </a:r>
           </a:p>
           <a:p>
             <a:pPr lvl="4"/>
             <a:r>
-              <a:rPr lang="en-US" dirty="0" smtClean="0"/>
+              <a:rPr lang="en-US" dirty="0"/>
               <a:t>Fifth level</a:t>
             </a:r>
-            <a:endParaRPr lang="en-US" dirty="0"/>
           </a:p>
         </p:txBody>
       </p:sp>
@@ -4577,7 +4668,7 @@
           <a:p>
             <a:fld id="{0FF60B50-4652-3C48-A27A-EE3A74F260CA}" type="datetimeFigureOut">
               <a:rPr lang="en-US" smtClean="0"/>
-              <a:t>1/11/18</a:t>
+              <a:t>1/11/2018</a:t>
             </a:fld>
             <a:endParaRPr lang="en-US"/>
           </a:p>
@@ -5013,7 +5104,7 @@
           <a:lstStyle/>
           <a:p>
             <a:r>
-              <a:rPr lang="en-US" dirty="0" smtClean="0">
+              <a:rPr lang="en-US" dirty="0">
                 <a:solidFill>
                   <a:srgbClr val="FF0000"/>
                 </a:solidFill>
@@ -5022,13 +5113,6 @@
               </a:rPr>
               <a:t>Why and how of big data</a:t>
             </a:r>
-            <a:endParaRPr lang="en-US" dirty="0">
-              <a:solidFill>
-                <a:srgbClr val="FF0000"/>
-              </a:solidFill>
-              <a:latin typeface="Lato Regular"/>
-              <a:cs typeface="Lato Regular"/>
-            </a:endParaRPr>
           </a:p>
         </p:txBody>
       </p:sp>
@@ -5048,15 +5132,15 @@
           <a:lstStyle/>
           <a:p>
             <a:r>
-              <a:rPr lang="en-US" dirty="0" err="1" smtClean="0"/>
+              <a:rPr lang="en-US" dirty="0" err="1"/>
               <a:t>Anula</a:t>
             </a:r>
             <a:r>
-              <a:rPr lang="en-US" dirty="0" smtClean="0"/>
+              <a:rPr lang="en-US" dirty="0"/>
               <a:t> </a:t>
             </a:r>
             <a:r>
-              <a:rPr lang="en-US" dirty="0" err="1" smtClean="0"/>
+              <a:rPr lang="en-US" dirty="0" err="1"/>
               <a:t>Choudhary</a:t>
             </a:r>
             <a:endParaRPr lang="en-US" dirty="0"/>
@@ -5073,13 +5157,6 @@
   <p:clrMapOvr>
     <a:masterClrMapping/>
   </p:clrMapOvr>
-  <p:timing>
-    <p:tnLst>
-      <p:par>
-        <p:cTn xmlns:p14="http://schemas.microsoft.com/office/powerpoint/2010/main" id="1" dur="indefinite" restart="never" nodeType="tmRoot"/>
-      </p:par>
-    </p:tnLst>
-  </p:timing>
 </p:sld>
 </file>
 
@@ -5155,11 +5232,41 @@
                 <a:tableStyleId>{284E427A-3D55-4303-BF80-6455036E1DE7}</a:tableStyleId>
               </a:tblPr>
               <a:tblGrid>
-                <a:gridCol w="1219200"/>
-                <a:gridCol w="1219200"/>
-                <a:gridCol w="1219200"/>
-                <a:gridCol w="1219200"/>
-                <a:gridCol w="1219200"/>
+                <a:gridCol w="1219200">
+                  <a:extLst>
+                    <a:ext uri="{9D8B030D-6E8A-4147-A177-3AD203B41FA5}">
+                      <a16:colId xmlns:a16="http://schemas.microsoft.com/office/drawing/2014/main" val="20000"/>
+                    </a:ext>
+                  </a:extLst>
+                </a:gridCol>
+                <a:gridCol w="1219200">
+                  <a:extLst>
+                    <a:ext uri="{9D8B030D-6E8A-4147-A177-3AD203B41FA5}">
+                      <a16:colId xmlns:a16="http://schemas.microsoft.com/office/drawing/2014/main" val="20001"/>
+                    </a:ext>
+                  </a:extLst>
+                </a:gridCol>
+                <a:gridCol w="1219200">
+                  <a:extLst>
+                    <a:ext uri="{9D8B030D-6E8A-4147-A177-3AD203B41FA5}">
+                      <a16:colId xmlns:a16="http://schemas.microsoft.com/office/drawing/2014/main" val="20002"/>
+                    </a:ext>
+                  </a:extLst>
+                </a:gridCol>
+                <a:gridCol w="1219200">
+                  <a:extLst>
+                    <a:ext uri="{9D8B030D-6E8A-4147-A177-3AD203B41FA5}">
+                      <a16:colId xmlns:a16="http://schemas.microsoft.com/office/drawing/2014/main" val="20003"/>
+                    </a:ext>
+                  </a:extLst>
+                </a:gridCol>
+                <a:gridCol w="1219200">
+                  <a:extLst>
+                    <a:ext uri="{9D8B030D-6E8A-4147-A177-3AD203B41FA5}">
+                      <a16:colId xmlns:a16="http://schemas.microsoft.com/office/drawing/2014/main" val="20004"/>
+                    </a:ext>
+                  </a:extLst>
+                </a:gridCol>
               </a:tblGrid>
               <a:tr h="370840">
                 <a:tc>
@@ -5169,7 +5276,7 @@
                     <a:p>
                       <a:pPr algn="ctr"/>
                       <a:r>
-                        <a:rPr lang="en-US" dirty="0" err="1" smtClean="0"/>
+                        <a:rPr lang="en-US" dirty="0" err="1"/>
                         <a:t>OrderId</a:t>
                       </a:r>
                       <a:endParaRPr lang="en-US" dirty="0"/>
@@ -5184,7 +5291,7 @@
                     <a:p>
                       <a:pPr algn="ctr"/>
                       <a:r>
-                        <a:rPr lang="en-US" dirty="0" err="1" smtClean="0"/>
+                        <a:rPr lang="en-US" dirty="0" err="1"/>
                         <a:t>ProductId</a:t>
                       </a:r>
                       <a:endParaRPr lang="en-US" dirty="0"/>
@@ -5199,7 +5306,7 @@
                     <a:p>
                       <a:pPr algn="ctr"/>
                       <a:r>
-                        <a:rPr lang="en-US" dirty="0" err="1" smtClean="0"/>
+                        <a:rPr lang="en-US" dirty="0" err="1"/>
                         <a:t>UserId</a:t>
                       </a:r>
                       <a:endParaRPr lang="en-US" dirty="0"/>
@@ -5214,10 +5321,9 @@
                     <a:p>
                       <a:pPr algn="ctr"/>
                       <a:r>
-                        <a:rPr lang="en-US" dirty="0" smtClean="0"/>
+                        <a:rPr lang="en-US" dirty="0"/>
                         <a:t>Date</a:t>
                       </a:r>
-                      <a:endParaRPr lang="en-US" dirty="0"/>
                     </a:p>
                   </a:txBody>
                   <a:tcPr/>
@@ -5229,14 +5335,18 @@
                     <a:p>
                       <a:pPr algn="ctr"/>
                       <a:r>
-                        <a:rPr lang="en-US" dirty="0" smtClean="0"/>
+                        <a:rPr lang="en-US" dirty="0"/>
                         <a:t>…..</a:t>
                       </a:r>
-                      <a:endParaRPr lang="en-US" dirty="0"/>
                     </a:p>
                   </a:txBody>
                   <a:tcPr/>
                 </a:tc>
+                <a:extLst>
+                  <a:ext uri="{0D108BD9-81ED-4DB2-BD59-A6C34878D82A}">
+                    <a16:rowId xmlns:a16="http://schemas.microsoft.com/office/drawing/2014/main" val="10000"/>
+                  </a:ext>
+                </a:extLst>
               </a:tr>
               <a:tr h="370840">
                 <a:tc>
@@ -5289,6 +5399,11 @@
                   </a:txBody>
                   <a:tcPr/>
                 </a:tc>
+                <a:extLst>
+                  <a:ext uri="{0D108BD9-81ED-4DB2-BD59-A6C34878D82A}">
+                    <a16:rowId xmlns:a16="http://schemas.microsoft.com/office/drawing/2014/main" val="10001"/>
+                  </a:ext>
+                </a:extLst>
               </a:tr>
             </a:tbl>
           </a:graphicData>
@@ -5319,10 +5434,34 @@
                 <a:tableStyleId>{69C7853C-536D-4A76-A0AE-DD22124D55A5}</a:tableStyleId>
               </a:tblPr>
               <a:tblGrid>
-                <a:gridCol w="1524000"/>
-                <a:gridCol w="1524000"/>
-                <a:gridCol w="1524000"/>
-                <a:gridCol w="1524000"/>
+                <a:gridCol w="1524000">
+                  <a:extLst>
+                    <a:ext uri="{9D8B030D-6E8A-4147-A177-3AD203B41FA5}">
+                      <a16:colId xmlns:a16="http://schemas.microsoft.com/office/drawing/2014/main" val="20000"/>
+                    </a:ext>
+                  </a:extLst>
+                </a:gridCol>
+                <a:gridCol w="1524000">
+                  <a:extLst>
+                    <a:ext uri="{9D8B030D-6E8A-4147-A177-3AD203B41FA5}">
+                      <a16:colId xmlns:a16="http://schemas.microsoft.com/office/drawing/2014/main" val="20001"/>
+                    </a:ext>
+                  </a:extLst>
+                </a:gridCol>
+                <a:gridCol w="1524000">
+                  <a:extLst>
+                    <a:ext uri="{9D8B030D-6E8A-4147-A177-3AD203B41FA5}">
+                      <a16:colId xmlns:a16="http://schemas.microsoft.com/office/drawing/2014/main" val="20002"/>
+                    </a:ext>
+                  </a:extLst>
+                </a:gridCol>
+                <a:gridCol w="1524000">
+                  <a:extLst>
+                    <a:ext uri="{9D8B030D-6E8A-4147-A177-3AD203B41FA5}">
+                      <a16:colId xmlns:a16="http://schemas.microsoft.com/office/drawing/2014/main" val="20003"/>
+                    </a:ext>
+                  </a:extLst>
+                </a:gridCol>
               </a:tblGrid>
               <a:tr h="370840">
                 <a:tc>
@@ -5332,7 +5471,7 @@
                     <a:p>
                       <a:pPr algn="ctr"/>
                       <a:r>
-                        <a:rPr lang="en-US" dirty="0" err="1" smtClean="0"/>
+                        <a:rPr lang="en-US" dirty="0" err="1"/>
                         <a:t>UserId</a:t>
                       </a:r>
                       <a:endParaRPr lang="en-US" dirty="0"/>
@@ -5347,7 +5486,7 @@
                     <a:p>
                       <a:pPr algn="ctr"/>
                       <a:r>
-                        <a:rPr lang="en-US" dirty="0" err="1" smtClean="0"/>
+                        <a:rPr lang="en-US" dirty="0" err="1"/>
                         <a:t>FirstName</a:t>
                       </a:r>
                       <a:endParaRPr lang="en-US" dirty="0"/>
@@ -5362,7 +5501,7 @@
                     <a:p>
                       <a:pPr algn="ctr"/>
                       <a:r>
-                        <a:rPr lang="en-US" dirty="0" err="1" smtClean="0"/>
+                        <a:rPr lang="en-US" dirty="0" err="1"/>
                         <a:t>LastName</a:t>
                       </a:r>
                       <a:endParaRPr lang="en-US" dirty="0"/>
@@ -5377,14 +5516,18 @@
                     <a:p>
                       <a:pPr algn="ctr"/>
                       <a:r>
-                        <a:rPr lang="en-US" dirty="0" smtClean="0"/>
+                        <a:rPr lang="en-US" dirty="0"/>
                         <a:t>…</a:t>
                       </a:r>
-                      <a:endParaRPr lang="en-US" dirty="0"/>
                     </a:p>
                   </a:txBody>
                   <a:tcPr/>
                 </a:tc>
+                <a:extLst>
+                  <a:ext uri="{0D108BD9-81ED-4DB2-BD59-A6C34878D82A}">
+                    <a16:rowId xmlns:a16="http://schemas.microsoft.com/office/drawing/2014/main" val="10000"/>
+                  </a:ext>
+                </a:extLst>
               </a:tr>
               <a:tr h="370840">
                 <a:tc>
@@ -5431,6 +5574,11 @@
                   </a:txBody>
                   <a:tcPr/>
                 </a:tc>
+                <a:extLst>
+                  <a:ext uri="{0D108BD9-81ED-4DB2-BD59-A6C34878D82A}">
+                    <a16:rowId xmlns:a16="http://schemas.microsoft.com/office/drawing/2014/main" val="10001"/>
+                  </a:ext>
+                </a:extLst>
               </a:tr>
             </a:tbl>
           </a:graphicData>
@@ -5461,10 +5609,34 @@
                 <a:tableStyleId>{3C2FFA5D-87B4-456A-9821-1D502468CF0F}</a:tableStyleId>
               </a:tblPr>
               <a:tblGrid>
-                <a:gridCol w="1524000"/>
-                <a:gridCol w="1524000"/>
-                <a:gridCol w="1524000"/>
-                <a:gridCol w="1524000"/>
+                <a:gridCol w="1524000">
+                  <a:extLst>
+                    <a:ext uri="{9D8B030D-6E8A-4147-A177-3AD203B41FA5}">
+                      <a16:colId xmlns:a16="http://schemas.microsoft.com/office/drawing/2014/main" val="20000"/>
+                    </a:ext>
+                  </a:extLst>
+                </a:gridCol>
+                <a:gridCol w="1524000">
+                  <a:extLst>
+                    <a:ext uri="{9D8B030D-6E8A-4147-A177-3AD203B41FA5}">
+                      <a16:colId xmlns:a16="http://schemas.microsoft.com/office/drawing/2014/main" val="20001"/>
+                    </a:ext>
+                  </a:extLst>
+                </a:gridCol>
+                <a:gridCol w="1524000">
+                  <a:extLst>
+                    <a:ext uri="{9D8B030D-6E8A-4147-A177-3AD203B41FA5}">
+                      <a16:colId xmlns:a16="http://schemas.microsoft.com/office/drawing/2014/main" val="20002"/>
+                    </a:ext>
+                  </a:extLst>
+                </a:gridCol>
+                <a:gridCol w="1524000">
+                  <a:extLst>
+                    <a:ext uri="{9D8B030D-6E8A-4147-A177-3AD203B41FA5}">
+                      <a16:colId xmlns:a16="http://schemas.microsoft.com/office/drawing/2014/main" val="20003"/>
+                    </a:ext>
+                  </a:extLst>
+                </a:gridCol>
               </a:tblGrid>
               <a:tr h="370840">
                 <a:tc>
@@ -5474,7 +5646,7 @@
                     <a:p>
                       <a:pPr algn="ctr"/>
                       <a:r>
-                        <a:rPr lang="en-US" dirty="0" err="1" smtClean="0"/>
+                        <a:rPr lang="en-US" dirty="0" err="1"/>
                         <a:t>FulfillmentId</a:t>
                       </a:r>
                       <a:endParaRPr lang="en-US" dirty="0"/>
@@ -5489,7 +5661,7 @@
                     <a:p>
                       <a:pPr algn="ctr"/>
                       <a:r>
-                        <a:rPr lang="en-US" dirty="0" err="1" smtClean="0"/>
+                        <a:rPr lang="en-US" dirty="0" err="1"/>
                         <a:t>OrderId</a:t>
                       </a:r>
                       <a:endParaRPr lang="en-US" dirty="0"/>
@@ -5504,7 +5676,7 @@
                     <a:p>
                       <a:pPr algn="ctr"/>
                       <a:r>
-                        <a:rPr lang="en-US" dirty="0" err="1" smtClean="0"/>
+                        <a:rPr lang="en-US" dirty="0" err="1"/>
                         <a:t>ShipZipcode</a:t>
                       </a:r>
                       <a:endParaRPr lang="en-US" dirty="0"/>
@@ -5519,14 +5691,18 @@
                     <a:p>
                       <a:pPr algn="ctr"/>
                       <a:r>
-                        <a:rPr lang="en-US" dirty="0" smtClean="0"/>
+                        <a:rPr lang="en-US" dirty="0"/>
                         <a:t>…</a:t>
                       </a:r>
-                      <a:endParaRPr lang="en-US" dirty="0"/>
                     </a:p>
                   </a:txBody>
                   <a:tcPr/>
                 </a:tc>
+                <a:extLst>
+                  <a:ext uri="{0D108BD9-81ED-4DB2-BD59-A6C34878D82A}">
+                    <a16:rowId xmlns:a16="http://schemas.microsoft.com/office/drawing/2014/main" val="10000"/>
+                  </a:ext>
+                </a:extLst>
               </a:tr>
               <a:tr h="370840">
                 <a:tc>
@@ -5569,6 +5745,11 @@
                   </a:txBody>
                   <a:tcPr/>
                 </a:tc>
+                <a:extLst>
+                  <a:ext uri="{0D108BD9-81ED-4DB2-BD59-A6C34878D82A}">
+                    <a16:rowId xmlns:a16="http://schemas.microsoft.com/office/drawing/2014/main" val="10001"/>
+                  </a:ext>
+                </a:extLst>
               </a:tr>
             </a:tbl>
           </a:graphicData>
@@ -5599,9 +5780,27 @@
                 <a:tableStyleId>{775DCB02-9BB8-47FD-8907-85C794F793BA}</a:tableStyleId>
               </a:tblPr>
               <a:tblGrid>
-                <a:gridCol w="2032000"/>
-                <a:gridCol w="2032000"/>
-                <a:gridCol w="2032000"/>
+                <a:gridCol w="2032000">
+                  <a:extLst>
+                    <a:ext uri="{9D8B030D-6E8A-4147-A177-3AD203B41FA5}">
+                      <a16:colId xmlns:a16="http://schemas.microsoft.com/office/drawing/2014/main" val="20000"/>
+                    </a:ext>
+                  </a:extLst>
+                </a:gridCol>
+                <a:gridCol w="2032000">
+                  <a:extLst>
+                    <a:ext uri="{9D8B030D-6E8A-4147-A177-3AD203B41FA5}">
+                      <a16:colId xmlns:a16="http://schemas.microsoft.com/office/drawing/2014/main" val="20001"/>
+                    </a:ext>
+                  </a:extLst>
+                </a:gridCol>
+                <a:gridCol w="2032000">
+                  <a:extLst>
+                    <a:ext uri="{9D8B030D-6E8A-4147-A177-3AD203B41FA5}">
+                      <a16:colId xmlns:a16="http://schemas.microsoft.com/office/drawing/2014/main" val="20002"/>
+                    </a:ext>
+                  </a:extLst>
+                </a:gridCol>
               </a:tblGrid>
               <a:tr h="370840">
                 <a:tc>
@@ -5611,7 +5810,7 @@
                     <a:p>
                       <a:pPr algn="ctr"/>
                       <a:r>
-                        <a:rPr lang="en-US" dirty="0" err="1" smtClean="0"/>
+                        <a:rPr lang="en-US" dirty="0" err="1"/>
                         <a:t>PaymentId</a:t>
                       </a:r>
                       <a:endParaRPr lang="en-US" dirty="0"/>
@@ -5626,7 +5825,7 @@
                     <a:p>
                       <a:pPr algn="ctr"/>
                       <a:r>
-                        <a:rPr lang="en-US" dirty="0" err="1" smtClean="0"/>
+                        <a:rPr lang="en-US" dirty="0" err="1"/>
                         <a:t>OrderId</a:t>
                       </a:r>
                       <a:endParaRPr lang="en-US" dirty="0"/>
@@ -5641,14 +5840,18 @@
                     <a:p>
                       <a:pPr algn="ctr"/>
                       <a:r>
-                        <a:rPr lang="en-US" dirty="0" smtClean="0"/>
+                        <a:rPr lang="en-US" dirty="0"/>
                         <a:t>…</a:t>
                       </a:r>
-                      <a:endParaRPr lang="en-US" dirty="0"/>
                     </a:p>
                   </a:txBody>
                   <a:tcPr/>
                 </a:tc>
+                <a:extLst>
+                  <a:ext uri="{0D108BD9-81ED-4DB2-BD59-A6C34878D82A}">
+                    <a16:rowId xmlns:a16="http://schemas.microsoft.com/office/drawing/2014/main" val="10000"/>
+                  </a:ext>
+                </a:extLst>
               </a:tr>
               <a:tr h="370840">
                 <a:tc>
@@ -5681,6 +5884,11 @@
                   </a:txBody>
                   <a:tcPr/>
                 </a:tc>
+                <a:extLst>
+                  <a:ext uri="{0D108BD9-81ED-4DB2-BD59-A6C34878D82A}">
+                    <a16:rowId xmlns:a16="http://schemas.microsoft.com/office/drawing/2014/main" val="10001"/>
+                  </a:ext>
+                </a:extLst>
               </a:tr>
             </a:tbl>
           </a:graphicData>
@@ -5699,7 +5907,242 @@
   <p:timing>
     <p:tnLst>
       <p:par>
-        <p:cTn xmlns:p14="http://schemas.microsoft.com/office/powerpoint/2010/main" id="1" dur="indefinite" restart="never" nodeType="tmRoot"/>
+        <p:cTn id="1" dur="indefinite" restart="never" nodeType="tmRoot">
+          <p:childTnLst>
+            <p:seq concurrent="1" nextAc="seek">
+              <p:cTn id="2" dur="indefinite" nodeType="mainSeq">
+                <p:childTnLst>
+                  <p:par>
+                    <p:cTn id="3" fill="hold">
+                      <p:stCondLst>
+                        <p:cond delay="indefinite"/>
+                      </p:stCondLst>
+                      <p:childTnLst>
+                        <p:par>
+                          <p:cTn id="4" fill="hold">
+                            <p:stCondLst>
+                              <p:cond delay="0"/>
+                            </p:stCondLst>
+                            <p:childTnLst>
+                              <p:par>
+                                <p:cTn id="5" presetID="10" presetClass="entr" presetSubtype="0" fill="hold" nodeType="clickEffect">
+                                  <p:stCondLst>
+                                    <p:cond delay="0"/>
+                                  </p:stCondLst>
+                                  <p:childTnLst>
+                                    <p:set>
+                                      <p:cBhvr>
+                                        <p:cTn id="6" dur="1" fill="hold">
+                                          <p:stCondLst>
+                                            <p:cond delay="0"/>
+                                          </p:stCondLst>
+                                        </p:cTn>
+                                        <p:tgtEl>
+                                          <p:spTgt spid="7"/>
+                                        </p:tgtEl>
+                                        <p:attrNameLst>
+                                          <p:attrName>style.visibility</p:attrName>
+                                        </p:attrNameLst>
+                                      </p:cBhvr>
+                                      <p:to>
+                                        <p:strVal val="visible"/>
+                                      </p:to>
+                                    </p:set>
+                                    <p:animEffect transition="in" filter="fade">
+                                      <p:cBhvr>
+                                        <p:cTn id="7" dur="500"/>
+                                        <p:tgtEl>
+                                          <p:spTgt spid="7"/>
+                                        </p:tgtEl>
+                                      </p:cBhvr>
+                                    </p:animEffect>
+                                  </p:childTnLst>
+                                </p:cTn>
+                              </p:par>
+                            </p:childTnLst>
+                          </p:cTn>
+                        </p:par>
+                      </p:childTnLst>
+                    </p:cTn>
+                  </p:par>
+                  <p:par>
+                    <p:cTn id="8" fill="hold">
+                      <p:stCondLst>
+                        <p:cond delay="indefinite"/>
+                      </p:stCondLst>
+                      <p:childTnLst>
+                        <p:par>
+                          <p:cTn id="9" fill="hold">
+                            <p:stCondLst>
+                              <p:cond delay="0"/>
+                            </p:stCondLst>
+                            <p:childTnLst>
+                              <p:par>
+                                <p:cTn id="10" presetID="10" presetClass="entr" presetSubtype="0" fill="hold" nodeType="clickEffect">
+                                  <p:stCondLst>
+                                    <p:cond delay="0"/>
+                                  </p:stCondLst>
+                                  <p:childTnLst>
+                                    <p:set>
+                                      <p:cBhvr>
+                                        <p:cTn id="11" dur="1" fill="hold">
+                                          <p:stCondLst>
+                                            <p:cond delay="0"/>
+                                          </p:stCondLst>
+                                        </p:cTn>
+                                        <p:tgtEl>
+                                          <p:spTgt spid="9"/>
+                                        </p:tgtEl>
+                                        <p:attrNameLst>
+                                          <p:attrName>style.visibility</p:attrName>
+                                        </p:attrNameLst>
+                                      </p:cBhvr>
+                                      <p:to>
+                                        <p:strVal val="visible"/>
+                                      </p:to>
+                                    </p:set>
+                                    <p:animEffect transition="in" filter="fade">
+                                      <p:cBhvr>
+                                        <p:cTn id="12" dur="500"/>
+                                        <p:tgtEl>
+                                          <p:spTgt spid="9"/>
+                                        </p:tgtEl>
+                                      </p:cBhvr>
+                                    </p:animEffect>
+                                  </p:childTnLst>
+                                </p:cTn>
+                              </p:par>
+                            </p:childTnLst>
+                          </p:cTn>
+                        </p:par>
+                      </p:childTnLst>
+                    </p:cTn>
+                  </p:par>
+                  <p:par>
+                    <p:cTn id="13" fill="hold">
+                      <p:stCondLst>
+                        <p:cond delay="indefinite"/>
+                      </p:stCondLst>
+                      <p:childTnLst>
+                        <p:par>
+                          <p:cTn id="14" fill="hold">
+                            <p:stCondLst>
+                              <p:cond delay="0"/>
+                            </p:stCondLst>
+                            <p:childTnLst>
+                              <p:par>
+                                <p:cTn id="15" presetID="10" presetClass="entr" presetSubtype="0" fill="hold" nodeType="clickEffect">
+                                  <p:stCondLst>
+                                    <p:cond delay="0"/>
+                                  </p:stCondLst>
+                                  <p:childTnLst>
+                                    <p:set>
+                                      <p:cBhvr>
+                                        <p:cTn id="16" dur="1" fill="hold">
+                                          <p:stCondLst>
+                                            <p:cond delay="0"/>
+                                          </p:stCondLst>
+                                        </p:cTn>
+                                        <p:tgtEl>
+                                          <p:spTgt spid="8"/>
+                                        </p:tgtEl>
+                                        <p:attrNameLst>
+                                          <p:attrName>style.visibility</p:attrName>
+                                        </p:attrNameLst>
+                                      </p:cBhvr>
+                                      <p:to>
+                                        <p:strVal val="visible"/>
+                                      </p:to>
+                                    </p:set>
+                                    <p:animEffect transition="in" filter="fade">
+                                      <p:cBhvr>
+                                        <p:cTn id="17" dur="500"/>
+                                        <p:tgtEl>
+                                          <p:spTgt spid="8"/>
+                                        </p:tgtEl>
+                                      </p:cBhvr>
+                                    </p:animEffect>
+                                  </p:childTnLst>
+                                </p:cTn>
+                              </p:par>
+                            </p:childTnLst>
+                          </p:cTn>
+                        </p:par>
+                      </p:childTnLst>
+                    </p:cTn>
+                  </p:par>
+                  <p:par>
+                    <p:cTn id="18" fill="hold">
+                      <p:stCondLst>
+                        <p:cond delay="indefinite"/>
+                      </p:stCondLst>
+                      <p:childTnLst>
+                        <p:par>
+                          <p:cTn id="19" fill="hold">
+                            <p:stCondLst>
+                              <p:cond delay="0"/>
+                            </p:stCondLst>
+                            <p:childTnLst>
+                              <p:par>
+                                <p:cTn id="20" presetID="10" presetClass="entr" presetSubtype="0" fill="hold" nodeType="clickEffect">
+                                  <p:stCondLst>
+                                    <p:cond delay="0"/>
+                                  </p:stCondLst>
+                                  <p:childTnLst>
+                                    <p:set>
+                                      <p:cBhvr>
+                                        <p:cTn id="21" dur="1" fill="hold">
+                                          <p:stCondLst>
+                                            <p:cond delay="0"/>
+                                          </p:stCondLst>
+                                        </p:cTn>
+                                        <p:tgtEl>
+                                          <p:spTgt spid="10"/>
+                                        </p:tgtEl>
+                                        <p:attrNameLst>
+                                          <p:attrName>style.visibility</p:attrName>
+                                        </p:attrNameLst>
+                                      </p:cBhvr>
+                                      <p:to>
+                                        <p:strVal val="visible"/>
+                                      </p:to>
+                                    </p:set>
+                                    <p:animEffect transition="in" filter="fade">
+                                      <p:cBhvr>
+                                        <p:cTn id="22" dur="500"/>
+                                        <p:tgtEl>
+                                          <p:spTgt spid="10"/>
+                                        </p:tgtEl>
+                                      </p:cBhvr>
+                                    </p:animEffect>
+                                  </p:childTnLst>
+                                </p:cTn>
+                              </p:par>
+                            </p:childTnLst>
+                          </p:cTn>
+                        </p:par>
+                      </p:childTnLst>
+                    </p:cTn>
+                  </p:par>
+                </p:childTnLst>
+              </p:cTn>
+              <p:prevCondLst>
+                <p:cond evt="onPrev" delay="0">
+                  <p:tgtEl>
+                    <p:sldTgt/>
+                  </p:tgtEl>
+                </p:cond>
+              </p:prevCondLst>
+              <p:nextCondLst>
+                <p:cond evt="onNext" delay="0">
+                  <p:tgtEl>
+                    <p:sldTgt/>
+                  </p:tgtEl>
+                </p:cond>
+              </p:nextCondLst>
+            </p:seq>
+          </p:childTnLst>
+        </p:cTn>
       </p:par>
     </p:tnLst>
   </p:timing>
@@ -5739,10 +6182,9 @@
           <a:lstStyle/>
           <a:p>
             <a:r>
-              <a:rPr lang="en-US" dirty="0" smtClean="0"/>
+              <a:rPr lang="en-US" dirty="0"/>
               <a:t>Data warehouse</a:t>
             </a:r>
-            <a:endParaRPr lang="en-US" dirty="0"/>
           </a:p>
         </p:txBody>
       </p:sp>
@@ -5800,16 +6242,12 @@
           <a:p>
             <a:r>
               <a:rPr lang="en-US" dirty="0"/>
-              <a:t>D</a:t>
-            </a:r>
-            <a:r>
-              <a:rPr lang="en-US" dirty="0" smtClean="0"/>
-              <a:t>ata warehouse is made up of multiple databases – all connected to each other. </a:t>
-            </a:r>
-          </a:p>
-          <a:p>
-            <a:r>
-              <a:rPr lang="en-US" dirty="0" smtClean="0"/>
+              <a:t>Data warehouse is made up of multiple databases – all connected to each other. </a:t>
+            </a:r>
+          </a:p>
+          <a:p>
+            <a:r>
+              <a:rPr lang="en-US" dirty="0"/>
               <a:t>Custom schemas like Star and Snowflake schemas are used for manage relations. </a:t>
             </a:r>
           </a:p>
@@ -5828,13 +6266,6 @@
   <p:clrMapOvr>
     <a:masterClrMapping/>
   </p:clrMapOvr>
-  <p:timing>
-    <p:tnLst>
-      <p:par>
-        <p:cTn xmlns:p14="http://schemas.microsoft.com/office/powerpoint/2010/main" id="1" dur="indefinite" restart="never" nodeType="tmRoot"/>
-      </p:par>
-    </p:tnLst>
-  </p:timing>
 </p:sld>
 </file>
 
@@ -5871,10 +6302,9 @@
           <a:lstStyle/>
           <a:p>
             <a:r>
-              <a:rPr lang="en-US" dirty="0" smtClean="0"/>
+              <a:rPr lang="en-US" dirty="0"/>
               <a:t>ETL for umbrella orders</a:t>
             </a:r>
-            <a:endParaRPr lang="en-US" dirty="0"/>
           </a:p>
         </p:txBody>
       </p:sp>
@@ -5947,10 +6377,9 @@
           <a:p>
             <a:pPr algn="ctr"/>
             <a:r>
-              <a:rPr lang="en-US" dirty="0" smtClean="0"/>
+              <a:rPr lang="en-US" dirty="0"/>
               <a:t>Get purchase information, user and date + time</a:t>
             </a:r>
-            <a:endParaRPr lang="en-US" dirty="0"/>
           </a:p>
         </p:txBody>
       </p:sp>
@@ -5993,10 +6422,9 @@
           <a:p>
             <a:pPr algn="ctr"/>
             <a:r>
-              <a:rPr lang="en-US" dirty="0" smtClean="0"/>
+              <a:rPr lang="en-US" dirty="0"/>
               <a:t>Get shipping location</a:t>
             </a:r>
-            <a:endParaRPr lang="en-US" dirty="0"/>
           </a:p>
         </p:txBody>
       </p:sp>
@@ -6039,10 +6467,9 @@
           <a:p>
             <a:pPr algn="ctr"/>
             <a:r>
-              <a:rPr lang="en-US" dirty="0" smtClean="0"/>
+              <a:rPr lang="en-US" dirty="0"/>
               <a:t>Aggregate zip code, date, and purchases</a:t>
             </a:r>
-            <a:endParaRPr lang="en-US" dirty="0"/>
           </a:p>
         </p:txBody>
       </p:sp>
@@ -6059,9 +6486,142 @@
   <p:timing>
     <p:tnLst>
       <p:par>
-        <p:cTn xmlns:p14="http://schemas.microsoft.com/office/powerpoint/2010/main" id="1" dur="indefinite" restart="never" nodeType="tmRoot"/>
+        <p:cTn id="1" dur="indefinite" restart="never" nodeType="tmRoot">
+          <p:childTnLst>
+            <p:seq concurrent="1" nextAc="seek">
+              <p:cTn id="2" dur="indefinite" nodeType="mainSeq">
+                <p:childTnLst>
+                  <p:par>
+                    <p:cTn id="3" fill="hold">
+                      <p:stCondLst>
+                        <p:cond delay="indefinite"/>
+                      </p:stCondLst>
+                      <p:childTnLst>
+                        <p:par>
+                          <p:cTn id="4" fill="hold">
+                            <p:stCondLst>
+                              <p:cond delay="0"/>
+                            </p:stCondLst>
+                            <p:childTnLst>
+                              <p:par>
+                                <p:cTn id="5" presetID="10" presetClass="entr" presetSubtype="0" fill="hold" grpId="0" nodeType="clickEffect">
+                                  <p:stCondLst>
+                                    <p:cond delay="0"/>
+                                  </p:stCondLst>
+                                  <p:childTnLst>
+                                    <p:set>
+                                      <p:cBhvr>
+                                        <p:cTn id="6" dur="1" fill="hold">
+                                          <p:stCondLst>
+                                            <p:cond delay="0"/>
+                                          </p:stCondLst>
+                                        </p:cTn>
+                                        <p:tgtEl>
+                                          <p:spTgt spid="6"/>
+                                        </p:tgtEl>
+                                        <p:attrNameLst>
+                                          <p:attrName>style.visibility</p:attrName>
+                                        </p:attrNameLst>
+                                      </p:cBhvr>
+                                      <p:to>
+                                        <p:strVal val="visible"/>
+                                      </p:to>
+                                    </p:set>
+                                    <p:animEffect transition="in" filter="fade">
+                                      <p:cBhvr>
+                                        <p:cTn id="7" dur="500"/>
+                                        <p:tgtEl>
+                                          <p:spTgt spid="6"/>
+                                        </p:tgtEl>
+                                      </p:cBhvr>
+                                    </p:animEffect>
+                                  </p:childTnLst>
+                                </p:cTn>
+                              </p:par>
+                            </p:childTnLst>
+                          </p:cTn>
+                        </p:par>
+                      </p:childTnLst>
+                    </p:cTn>
+                  </p:par>
+                  <p:par>
+                    <p:cTn id="8" fill="hold">
+                      <p:stCondLst>
+                        <p:cond delay="indefinite"/>
+                      </p:stCondLst>
+                      <p:childTnLst>
+                        <p:par>
+                          <p:cTn id="9" fill="hold">
+                            <p:stCondLst>
+                              <p:cond delay="0"/>
+                            </p:stCondLst>
+                            <p:childTnLst>
+                              <p:par>
+                                <p:cTn id="10" presetID="10" presetClass="entr" presetSubtype="0" fill="hold" grpId="0" nodeType="clickEffect">
+                                  <p:stCondLst>
+                                    <p:cond delay="0"/>
+                                  </p:stCondLst>
+                                  <p:childTnLst>
+                                    <p:set>
+                                      <p:cBhvr>
+                                        <p:cTn id="11" dur="1" fill="hold">
+                                          <p:stCondLst>
+                                            <p:cond delay="0"/>
+                                          </p:stCondLst>
+                                        </p:cTn>
+                                        <p:tgtEl>
+                                          <p:spTgt spid="7"/>
+                                        </p:tgtEl>
+                                        <p:attrNameLst>
+                                          <p:attrName>style.visibility</p:attrName>
+                                        </p:attrNameLst>
+                                      </p:cBhvr>
+                                      <p:to>
+                                        <p:strVal val="visible"/>
+                                      </p:to>
+                                    </p:set>
+                                    <p:animEffect transition="in" filter="fade">
+                                      <p:cBhvr>
+                                        <p:cTn id="12" dur="500"/>
+                                        <p:tgtEl>
+                                          <p:spTgt spid="7"/>
+                                        </p:tgtEl>
+                                      </p:cBhvr>
+                                    </p:animEffect>
+                                  </p:childTnLst>
+                                </p:cTn>
+                              </p:par>
+                            </p:childTnLst>
+                          </p:cTn>
+                        </p:par>
+                      </p:childTnLst>
+                    </p:cTn>
+                  </p:par>
+                </p:childTnLst>
+              </p:cTn>
+              <p:prevCondLst>
+                <p:cond evt="onPrev" delay="0">
+                  <p:tgtEl>
+                    <p:sldTgt/>
+                  </p:tgtEl>
+                </p:cond>
+              </p:prevCondLst>
+              <p:nextCondLst>
+                <p:cond evt="onNext" delay="0">
+                  <p:tgtEl>
+                    <p:sldTgt/>
+                  </p:tgtEl>
+                </p:cond>
+              </p:nextCondLst>
+            </p:seq>
+          </p:childTnLst>
+        </p:cTn>
       </p:par>
     </p:tnLst>
+    <p:bldLst>
+      <p:bldP spid="6" grpId="0" animBg="1"/>
+      <p:bldP spid="7" grpId="0" animBg="1"/>
+    </p:bldLst>
   </p:timing>
 </p:sld>
 </file>
@@ -6099,10 +6659,9 @@
           <a:lstStyle/>
           <a:p>
             <a:r>
-              <a:rPr lang="en-US" dirty="0" smtClean="0"/>
+              <a:rPr lang="en-US" dirty="0"/>
               <a:t>ETL for umbrella orders - 2</a:t>
             </a:r>
-            <a:endParaRPr lang="en-US" dirty="0"/>
           </a:p>
         </p:txBody>
       </p:sp>
@@ -6175,10 +6734,9 @@
           <a:p>
             <a:pPr algn="ctr"/>
             <a:r>
-              <a:rPr lang="en-US" dirty="0" smtClean="0"/>
+              <a:rPr lang="en-US" dirty="0"/>
               <a:t>Get weather information for required date + time and zip code</a:t>
             </a:r>
-            <a:endParaRPr lang="en-US" dirty="0"/>
           </a:p>
         </p:txBody>
       </p:sp>
@@ -6221,10 +6779,9 @@
           <a:p>
             <a:pPr algn="ctr"/>
             <a:r>
-              <a:rPr lang="en-US" dirty="0" smtClean="0"/>
-              <a:t>Aggregate weather, location and date + time</a:t>
-            </a:r>
-            <a:endParaRPr lang="en-US" dirty="0"/>
+              <a:rPr lang="en-US" dirty="0"/>
+              <a:t>Aggregate weather, location, date + time and orders</a:t>
+            </a:r>
           </a:p>
         </p:txBody>
       </p:sp>
@@ -6282,10 +6839,9 @@
           <a:p>
             <a:pPr algn="ctr"/>
             <a:r>
-              <a:rPr lang="en-US" dirty="0" smtClean="0"/>
+              <a:rPr lang="en-US" dirty="0"/>
               <a:t>API</a:t>
             </a:r>
-            <a:endParaRPr lang="en-US" dirty="0"/>
           </a:p>
         </p:txBody>
       </p:sp>
@@ -6302,9 +6858,88 @@
   <p:timing>
     <p:tnLst>
       <p:par>
-        <p:cTn xmlns:p14="http://schemas.microsoft.com/office/powerpoint/2010/main" id="1" dur="indefinite" restart="never" nodeType="tmRoot"/>
+        <p:cTn id="1" dur="indefinite" restart="never" nodeType="tmRoot">
+          <p:childTnLst>
+            <p:seq concurrent="1" nextAc="seek">
+              <p:cTn id="2" dur="indefinite" nodeType="mainSeq">
+                <p:childTnLst>
+                  <p:par>
+                    <p:cTn id="3" fill="hold">
+                      <p:stCondLst>
+                        <p:cond delay="indefinite"/>
+                      </p:stCondLst>
+                      <p:childTnLst>
+                        <p:par>
+                          <p:cTn id="4" fill="hold">
+                            <p:stCondLst>
+                              <p:cond delay="0"/>
+                            </p:stCondLst>
+                            <p:childTnLst>
+                              <p:par>
+                                <p:cTn id="5" presetID="10" presetClass="entr" presetSubtype="0" fill="hold" grpId="0" nodeType="clickEffect">
+                                  <p:stCondLst>
+                                    <p:cond delay="0"/>
+                                  </p:stCondLst>
+                                  <p:childTnLst>
+                                    <p:set>
+                                      <p:cBhvr>
+                                        <p:cTn id="6" dur="1" fill="hold">
+                                          <p:stCondLst>
+                                            <p:cond delay="0"/>
+                                          </p:stCondLst>
+                                        </p:cTn>
+                                        <p:tgtEl>
+                                          <p:spTgt spid="7"/>
+                                        </p:tgtEl>
+                                        <p:attrNameLst>
+                                          <p:attrName>style.visibility</p:attrName>
+                                        </p:attrNameLst>
+                                      </p:cBhvr>
+                                      <p:to>
+                                        <p:strVal val="visible"/>
+                                      </p:to>
+                                    </p:set>
+                                    <p:animEffect transition="in" filter="fade">
+                                      <p:cBhvr>
+                                        <p:cTn id="7" dur="500"/>
+                                        <p:tgtEl>
+                                          <p:spTgt spid="7"/>
+                                        </p:tgtEl>
+                                      </p:cBhvr>
+                                    </p:animEffect>
+                                  </p:childTnLst>
+                                </p:cTn>
+                              </p:par>
+                            </p:childTnLst>
+                          </p:cTn>
+                        </p:par>
+                      </p:childTnLst>
+                    </p:cTn>
+                  </p:par>
+                </p:childTnLst>
+              </p:cTn>
+              <p:prevCondLst>
+                <p:cond evt="onPrev" delay="0">
+                  <p:tgtEl>
+                    <p:sldTgt/>
+                  </p:tgtEl>
+                </p:cond>
+              </p:prevCondLst>
+              <p:nextCondLst>
+                <p:cond evt="onNext" delay="0">
+                  <p:tgtEl>
+                    <p:sldTgt/>
+                  </p:tgtEl>
+                </p:cond>
+              </p:nextCondLst>
+            </p:seq>
+          </p:childTnLst>
+        </p:cTn>
       </p:par>
     </p:tnLst>
+    <p:bldLst>
+      <p:bldP spid="7" grpId="0" animBg="1"/>
+    </p:bldLst>
   </p:timing>
 </p:sld>
 </file>
@@ -6342,10 +6977,9 @@
           <a:lstStyle/>
           <a:p>
             <a:r>
-              <a:rPr lang="en-US" dirty="0" smtClean="0"/>
+              <a:rPr lang="en-US" dirty="0"/>
               <a:t>Intelligent reports</a:t>
             </a:r>
-            <a:endParaRPr lang="en-US" dirty="0"/>
           </a:p>
         </p:txBody>
       </p:sp>
@@ -6389,13 +7023,6 @@
   <p:clrMapOvr>
     <a:masterClrMapping/>
   </p:clrMapOvr>
-  <p:timing>
-    <p:tnLst>
-      <p:par>
-        <p:cTn xmlns:p14="http://schemas.microsoft.com/office/powerpoint/2010/main" id="1" dur="indefinite" restart="never" nodeType="tmRoot"/>
-      </p:par>
-    </p:tnLst>
-  </p:timing>
 </p:sld>
 </file>
 
@@ -6432,10 +7059,9 @@
           <a:lstStyle/>
           <a:p>
             <a:r>
-              <a:rPr lang="en-US" dirty="0" smtClean="0"/>
+              <a:rPr lang="en-US" dirty="0"/>
               <a:t>Business Intelligence</a:t>
             </a:r>
-            <a:endParaRPr lang="en-US" dirty="0"/>
           </a:p>
         </p:txBody>
       </p:sp>
@@ -6461,57 +7087,32 @@
           <a:p>
             <a:r>
               <a:rPr lang="en-US" dirty="0"/>
-              <a:t>What season do people buy </a:t>
-            </a:r>
-            <a:r>
-              <a:rPr lang="en-US" dirty="0" smtClean="0"/>
-              <a:t>umbrellas?</a:t>
-            </a:r>
-            <a:endParaRPr lang="en-US" dirty="0"/>
+              <a:t>What season do people buy umbrellas?</a:t>
+            </a:r>
           </a:p>
           <a:p>
             <a:r>
               <a:rPr lang="en-US" dirty="0"/>
-              <a:t>How long do people wait after first rain to buy </a:t>
-            </a:r>
-            <a:r>
-              <a:rPr lang="en-US" dirty="0" smtClean="0"/>
-              <a:t>umbrellas?  </a:t>
-            </a:r>
-            <a:endParaRPr lang="en-US" dirty="0"/>
+              <a:t>How long do people wait after first rain to buy umbrellas?  </a:t>
+            </a:r>
           </a:p>
           <a:p>
             <a:r>
               <a:rPr lang="en-US" dirty="0"/>
-              <a:t>How long do people wait before peak rainfall to </a:t>
-            </a:r>
-            <a:r>
-              <a:rPr lang="en-US" dirty="0" smtClean="0"/>
-              <a:t>buy umbrellas? </a:t>
-            </a:r>
-            <a:endParaRPr lang="en-US" dirty="0"/>
+              <a:t>How long do people wait before peak rainfall to buy umbrellas? </a:t>
+            </a:r>
           </a:p>
           <a:p>
             <a:r>
               <a:rPr lang="en-US" dirty="0"/>
-              <a:t>What else do same people buy in </a:t>
-            </a:r>
-            <a:r>
-              <a:rPr lang="en-US" dirty="0" smtClean="0"/>
-              <a:t>same season? </a:t>
-            </a:r>
-            <a:endParaRPr lang="en-US" dirty="0"/>
+              <a:t>What else do same people buy in same season? </a:t>
+            </a:r>
           </a:p>
           <a:p>
             <a:r>
               <a:rPr lang="en-US" dirty="0"/>
-              <a:t>What other zip codes have similar weather </a:t>
-            </a:r>
-            <a:r>
-              <a:rPr lang="en-US" dirty="0" smtClean="0"/>
-              <a:t>patterns? </a:t>
-            </a:r>
-            <a:endParaRPr lang="en-US" dirty="0"/>
+              <a:t>What other zip codes have similar weather patterns? </a:t>
+            </a:r>
           </a:p>
         </p:txBody>
       </p:sp>
@@ -6525,13 +7126,6 @@
   <p:clrMapOvr>
     <a:masterClrMapping/>
   </p:clrMapOvr>
-  <p:timing>
-    <p:tnLst>
-      <p:par>
-        <p:cTn xmlns:p14="http://schemas.microsoft.com/office/powerpoint/2010/main" id="1" dur="indefinite" restart="never" nodeType="tmRoot"/>
-      </p:par>
-    </p:tnLst>
-  </p:timing>
 </p:sld>
 </file>
 
@@ -6552,126 +7146,36 @@
           <a:chExt cx="0" cy="0"/>
         </a:xfrm>
       </p:grpSpPr>
-      <p:sp>
-        <p:nvSpPr>
-          <p:cNvPr id="2" name="Title 1"/>
-          <p:cNvSpPr>
-            <a:spLocks noGrp="1"/>
-          </p:cNvSpPr>
-          <p:nvPr>
-            <p:ph type="title"/>
-          </p:nvPr>
-        </p:nvSpPr>
+      <p:pic>
+        <p:nvPicPr>
+          <p:cNvPr id="8" name="Picture 7">
+            <a:extLst>
+              <a:ext uri="{FF2B5EF4-FFF2-40B4-BE49-F238E27FC236}">
+                <a16:creationId xmlns:a16="http://schemas.microsoft.com/office/drawing/2014/main" id="{38A921BF-4AC0-441D-A122-045C15265740}"/>
+              </a:ext>
+            </a:extLst>
+          </p:cNvPr>
+          <p:cNvPicPr>
+            <a:picLocks noChangeAspect="1"/>
+          </p:cNvPicPr>
+          <p:nvPr/>
+        </p:nvPicPr>
+        <p:blipFill>
+          <a:blip r:embed="rId3"/>
+          <a:stretch>
+            <a:fillRect/>
+          </a:stretch>
+        </p:blipFill>
         <p:spPr>
           <a:xfrm>
-            <a:off x="258293" y="1024313"/>
-            <a:ext cx="3872859" cy="1143000"/>
-          </a:xfrm>
-        </p:spPr>
-        <p:txBody>
-          <a:bodyPr/>
-          <a:lstStyle/>
-          <a:p>
-            <a:r>
-              <a:rPr lang="en-US" dirty="0" smtClean="0"/>
-              <a:t>Gather data</a:t>
-            </a:r>
-            <a:endParaRPr lang="en-US" dirty="0"/>
-          </a:p>
-        </p:txBody>
-      </p:sp>
-      <p:sp>
-        <p:nvSpPr>
-          <p:cNvPr id="5" name="Title 1"/>
-          <p:cNvSpPr txBox="1">
-            <a:spLocks/>
-          </p:cNvSpPr>
-          <p:nvPr/>
-        </p:nvSpPr>
-        <p:spPr>
-          <a:xfrm>
-            <a:off x="2522171" y="2829059"/>
-            <a:ext cx="3872859" cy="1143000"/>
+            <a:off x="276145" y="127320"/>
+            <a:ext cx="8591711" cy="5660022"/>
           </a:xfrm>
           <a:prstGeom prst="rect">
             <a:avLst/>
           </a:prstGeom>
         </p:spPr>
-        <p:txBody>
-          <a:bodyPr vert="horz" lIns="91440" tIns="45720" rIns="91440" bIns="45720" rtlCol="0" anchor="ctr">
-            <a:normAutofit/>
-          </a:bodyPr>
-          <a:lstStyle>
-            <a:lvl1pPr algn="ctr" defTabSz="457200" rtl="0" eaLnBrk="1" latinLnBrk="0" hangingPunct="1">
-              <a:spcBef>
-                <a:spcPct val="0"/>
-              </a:spcBef>
-              <a:buNone/>
-              <a:defRPr sz="4400" kern="1200">
-                <a:solidFill>
-                  <a:srgbClr val="FF0000"/>
-                </a:solidFill>
-                <a:latin typeface="Lato Bold"/>
-                <a:ea typeface="+mj-ea"/>
-                <a:cs typeface="Lato Bold"/>
-              </a:defRPr>
-            </a:lvl1pPr>
-          </a:lstStyle>
-          <a:p>
-            <a:r>
-              <a:rPr lang="en-US" dirty="0" smtClean="0"/>
-              <a:t>Write Python</a:t>
-            </a:r>
-            <a:endParaRPr lang="en-US" dirty="0"/>
-          </a:p>
-        </p:txBody>
-      </p:sp>
-      <p:sp>
-        <p:nvSpPr>
-          <p:cNvPr id="6" name="Title 1"/>
-          <p:cNvSpPr txBox="1">
-            <a:spLocks/>
-          </p:cNvSpPr>
-          <p:nvPr/>
-        </p:nvSpPr>
-        <p:spPr>
-          <a:xfrm>
-            <a:off x="4786654" y="4649699"/>
-            <a:ext cx="3872859" cy="1143000"/>
-          </a:xfrm>
-          <a:prstGeom prst="rect">
-            <a:avLst/>
-          </a:prstGeom>
-        </p:spPr>
-        <p:txBody>
-          <a:bodyPr vert="horz" lIns="91440" tIns="45720" rIns="91440" bIns="45720" rtlCol="0" anchor="ctr">
-            <a:normAutofit/>
-          </a:bodyPr>
-          <a:lstStyle>
-            <a:lvl1pPr algn="ctr" defTabSz="457200" rtl="0" eaLnBrk="1" latinLnBrk="0" hangingPunct="1">
-              <a:spcBef>
-                <a:spcPct val="0"/>
-              </a:spcBef>
-              <a:buNone/>
-              <a:defRPr sz="4400" kern="1200">
-                <a:solidFill>
-                  <a:srgbClr val="FF0000"/>
-                </a:solidFill>
-                <a:latin typeface="Lato Bold"/>
-                <a:ea typeface="+mj-ea"/>
-                <a:cs typeface="Lato Bold"/>
-              </a:defRPr>
-            </a:lvl1pPr>
-          </a:lstStyle>
-          <a:p>
-            <a:r>
-              <a:rPr lang="en-US" dirty="0" smtClean="0"/>
-              <a:t>Kick ass!!</a:t>
-            </a:r>
-            <a:endParaRPr lang="en-US" dirty="0"/>
-          </a:p>
-        </p:txBody>
-      </p:sp>
+      </p:pic>
     </p:spTree>
     <p:extLst>
       <p:ext uri="{BB962C8B-B14F-4D97-AF65-F5344CB8AC3E}">
@@ -6682,13 +7186,6 @@
   <p:clrMapOvr>
     <a:masterClrMapping/>
   </p:clrMapOvr>
-  <p:timing>
-    <p:tnLst>
-      <p:par>
-        <p:cTn xmlns:p14="http://schemas.microsoft.com/office/powerpoint/2010/main" id="1" dur="indefinite" restart="never" nodeType="tmRoot"/>
-      </p:par>
-    </p:tnLst>
-  </p:timing>
 </p:sld>
 </file>
 
@@ -6725,7 +7222,7 @@
           <a:lstStyle/>
           <a:p>
             <a:r>
-              <a:rPr lang="en-US" dirty="0" smtClean="0">
+              <a:rPr lang="en-US" dirty="0">
                 <a:solidFill>
                   <a:srgbClr val="FF0000"/>
                 </a:solidFill>
@@ -6734,13 +7231,6 @@
               </a:rPr>
               <a:t>Thank you!</a:t>
             </a:r>
-            <a:endParaRPr lang="en-US" dirty="0">
-              <a:solidFill>
-                <a:srgbClr val="FF0000"/>
-              </a:solidFill>
-              <a:latin typeface="Lato Regular"/>
-              <a:cs typeface="Lato Regular"/>
-            </a:endParaRPr>
           </a:p>
         </p:txBody>
       </p:sp>
@@ -6754,13 +7244,6 @@
   <p:clrMapOvr>
     <a:masterClrMapping/>
   </p:clrMapOvr>
-  <p:timing>
-    <p:tnLst>
-      <p:par>
-        <p:cTn xmlns:p14="http://schemas.microsoft.com/office/powerpoint/2010/main" id="1" dur="indefinite" restart="never" nodeType="tmRoot"/>
-      </p:par>
-    </p:tnLst>
-  </p:timing>
 </p:sld>
 </file>
 
@@ -6821,13 +7304,6 @@
   <p:clrMapOvr>
     <a:masterClrMapping/>
   </p:clrMapOvr>
-  <p:timing>
-    <p:tnLst>
-      <p:par>
-        <p:cTn xmlns:p14="http://schemas.microsoft.com/office/powerpoint/2010/main" id="1" dur="indefinite" restart="never" nodeType="tmRoot"/>
-      </p:par>
-    </p:tnLst>
-  </p:timing>
 </p:sld>
 </file>
 
@@ -6864,10 +7340,9 @@
           <a:lstStyle/>
           <a:p>
             <a:r>
-              <a:rPr lang="en-US" dirty="0" smtClean="0"/>
+              <a:rPr lang="en-US" dirty="0"/>
               <a:t>Big Data.. ??</a:t>
             </a:r>
-            <a:endParaRPr lang="en-US" dirty="0"/>
           </a:p>
         </p:txBody>
       </p:sp>
@@ -7061,13 +7536,6 @@
   <p:clrMapOvr>
     <a:masterClrMapping/>
   </p:clrMapOvr>
-  <p:timing>
-    <p:tnLst>
-      <p:par>
-        <p:cTn xmlns:p14="http://schemas.microsoft.com/office/powerpoint/2010/main" id="1" dur="indefinite" restart="never" nodeType="tmRoot"/>
-      </p:par>
-    </p:tnLst>
-  </p:timing>
 </p:sld>
 </file>
 
@@ -7097,7 +7565,7 @@
           <p:nvPr/>
         </p:nvPicPr>
         <p:blipFill>
-          <a:blip r:embed="rId2">
+          <a:blip r:embed="rId3">
             <a:extLst>
               <a:ext uri="{28A0092B-C50C-407E-A947-70E740481C1C}">
                 <a14:useLocalDpi xmlns:a14="http://schemas.microsoft.com/office/drawing/2010/main" val="0"/>
@@ -7128,13 +7596,6 @@
   <p:clrMapOvr>
     <a:masterClrMapping/>
   </p:clrMapOvr>
-  <p:timing>
-    <p:tnLst>
-      <p:par>
-        <p:cTn xmlns:p14="http://schemas.microsoft.com/office/powerpoint/2010/main" id="1" dur="indefinite" restart="never" nodeType="tmRoot"/>
-      </p:par>
-    </p:tnLst>
-  </p:timing>
 </p:sld>
 </file>
 
@@ -7177,8 +7638,8 @@
         </p:blipFill>
         <p:spPr>
           <a:xfrm>
-            <a:off x="2298700" y="0"/>
-            <a:ext cx="4535714" cy="6858000"/>
+            <a:off x="2636697" y="120861"/>
+            <a:ext cx="3870606" cy="5852357"/>
           </a:xfrm>
           <a:prstGeom prst="rect">
             <a:avLst/>
@@ -7195,13 +7656,6 @@
   <p:clrMapOvr>
     <a:masterClrMapping/>
   </p:clrMapOvr>
-  <p:timing>
-    <p:tnLst>
-      <p:par>
-        <p:cTn xmlns:p14="http://schemas.microsoft.com/office/powerpoint/2010/main" id="1" dur="indefinite" restart="never" nodeType="tmRoot"/>
-      </p:par>
-    </p:tnLst>
-  </p:timing>
 </p:sld>
 </file>
 
@@ -7238,10 +7692,9 @@
           <a:lstStyle/>
           <a:p>
             <a:r>
-              <a:rPr lang="en-US" dirty="0" smtClean="0"/>
+              <a:rPr lang="en-US" dirty="0"/>
               <a:t>Unique challenges</a:t>
             </a:r>
-            <a:endParaRPr lang="en-US" dirty="0"/>
           </a:p>
         </p:txBody>
       </p:sp>
@@ -7266,7 +7719,7 @@
           <a:lstStyle/>
           <a:p>
             <a:r>
-              <a:rPr lang="en-US" sz="2500" dirty="0" smtClean="0">
+              <a:rPr lang="en-US" sz="2500" dirty="0">
                 <a:solidFill>
                   <a:schemeClr val="tx1"/>
                 </a:solidFill>
@@ -7275,7 +7728,9 @@
               </a:rPr>
               <a:t>We need special systems to manage so much data. </a:t>
             </a:r>
-            <a:endParaRPr lang="en-US" sz="2500" dirty="0" smtClean="0">
+          </a:p>
+          <a:p>
+            <a:endParaRPr lang="en-US" sz="2500" dirty="0">
               <a:solidFill>
                 <a:schemeClr val="tx1"/>
               </a:solidFill>
@@ -7284,17 +7739,8 @@
             </a:endParaRPr>
           </a:p>
           <a:p>
-            <a:endParaRPr lang="en-US" sz="2500" dirty="0" smtClean="0">
-              <a:solidFill>
-                <a:schemeClr val="tx1"/>
-              </a:solidFill>
-              <a:latin typeface="Verdana"/>
-              <a:cs typeface="Verdana"/>
-            </a:endParaRPr>
-          </a:p>
-          <a:p>
-            <a:r>
-              <a:rPr lang="en-US" sz="2500" dirty="0" smtClean="0">
+            <a:r>
+              <a:rPr lang="en-US" sz="2500" dirty="0">
                 <a:solidFill>
                   <a:schemeClr val="tx1"/>
                 </a:solidFill>
@@ -7303,7 +7749,9 @@
               </a:rPr>
               <a:t>We need to filter out unwanted data. </a:t>
             </a:r>
-            <a:endParaRPr lang="en-US" sz="2500" dirty="0" smtClean="0">
+          </a:p>
+          <a:p>
+            <a:endParaRPr lang="en-US" sz="2500" dirty="0">
               <a:solidFill>
                 <a:schemeClr val="tx1"/>
               </a:solidFill>
@@ -7312,17 +7760,8 @@
             </a:endParaRPr>
           </a:p>
           <a:p>
-            <a:endParaRPr lang="en-US" sz="2500" dirty="0" smtClean="0">
-              <a:solidFill>
-                <a:schemeClr val="tx1"/>
-              </a:solidFill>
-              <a:latin typeface="Verdana"/>
-              <a:cs typeface="Verdana"/>
-            </a:endParaRPr>
-          </a:p>
-          <a:p>
-            <a:r>
-              <a:rPr lang="en-US" sz="2500" dirty="0" smtClean="0">
+            <a:r>
+              <a:rPr lang="en-US" sz="2500" dirty="0">
                 <a:solidFill>
                   <a:schemeClr val="tx1"/>
                 </a:solidFill>
@@ -7332,17 +7771,16 @@
               <a:t>Finally we need to build intelligent reports on this data</a:t>
             </a:r>
             <a:r>
-              <a:rPr lang="en-US" sz="2500" dirty="0" smtClean="0">
+              <a:rPr lang="en-US" sz="2500" dirty="0">
                 <a:latin typeface="Verdana"/>
                 <a:cs typeface="Verdana"/>
               </a:rPr>
               <a:t>.</a:t>
             </a:r>
             <a:r>
-              <a:rPr lang="en-US" dirty="0" smtClean="0"/>
+              <a:rPr lang="en-US" dirty="0"/>
               <a:t> </a:t>
             </a:r>
-            <a:endParaRPr lang="en-US" dirty="0"/>
           </a:p>
         </p:txBody>
       </p:sp>
@@ -7356,13 +7794,6 @@
   <p:clrMapOvr>
     <a:masterClrMapping/>
   </p:clrMapOvr>
-  <p:timing>
-    <p:tnLst>
-      <p:par>
-        <p:cTn xmlns:p14="http://schemas.microsoft.com/office/powerpoint/2010/main" id="1" dur="indefinite" restart="never" nodeType="tmRoot"/>
-      </p:par>
-    </p:tnLst>
-  </p:timing>
 </p:sld>
 </file>
 
@@ -7481,7 +7912,7 @@
         </p:nvSpPr>
         <p:spPr>
           <a:xfrm>
-            <a:off x="4125313" y="531994"/>
+            <a:off x="3153041" y="254196"/>
             <a:ext cx="2313811" cy="861774"/>
           </a:xfrm>
           <a:prstGeom prst="rect">
@@ -7496,7 +7927,7 @@
           <a:lstStyle/>
           <a:p>
             <a:r>
-              <a:rPr lang="en-US" sz="2500" dirty="0" smtClean="0">
+              <a:rPr lang="en-US" sz="2500" dirty="0">
                 <a:solidFill>
                   <a:srgbClr val="FF0000"/>
                 </a:solidFill>
@@ -7504,13 +7935,13 @@
               <a:t>Data warehouse </a:t>
             </a:r>
             <a:br>
-              <a:rPr lang="en-US" sz="2500" dirty="0" smtClean="0">
+              <a:rPr lang="en-US" sz="2500" dirty="0">
                 <a:solidFill>
                   <a:srgbClr val="FF0000"/>
                 </a:solidFill>
               </a:rPr>
             </a:br>
-            <a:endParaRPr lang="en-US" sz="2500" dirty="0" smtClean="0">
+            <a:endParaRPr lang="en-US" sz="2500" dirty="0">
               <a:solidFill>
                 <a:srgbClr val="FF0000"/>
               </a:solidFill>
@@ -7541,18 +7972,13 @@
           <a:lstStyle/>
           <a:p>
             <a:r>
-              <a:rPr lang="en-US" sz="2500" dirty="0" smtClean="0">
+              <a:rPr lang="en-US" sz="2500" dirty="0">
                 <a:solidFill>
                   <a:srgbClr val="FF0000"/>
                 </a:solidFill>
               </a:rPr>
               <a:t>ETL pipeline </a:t>
             </a:r>
-            <a:endParaRPr lang="en-US" sz="2500" dirty="0">
-              <a:solidFill>
-                <a:srgbClr val="FF0000"/>
-              </a:solidFill>
-            </a:endParaRPr>
           </a:p>
         </p:txBody>
       </p:sp>
@@ -7579,7 +8005,7 @@
           <a:lstStyle/>
           <a:p>
             <a:r>
-              <a:rPr lang="en-US" sz="2500" dirty="0" smtClean="0">
+              <a:rPr lang="en-US" sz="2500" dirty="0">
                 <a:solidFill>
                   <a:srgbClr val="FF0000"/>
                 </a:solidFill>
@@ -7630,7 +8056,7 @@
           <a:p>
             <a:pPr algn="ctr"/>
             <a:r>
-              <a:rPr lang="en-US" dirty="0" smtClean="0">
+              <a:rPr lang="en-US" b="1" dirty="0">
                 <a:solidFill>
                   <a:srgbClr val="FF0000"/>
                 </a:solidFill>
@@ -7638,25 +8064,20 @@
               <a:t>PYTHON!! </a:t>
             </a:r>
             <a:br>
-              <a:rPr lang="en-US" dirty="0" smtClean="0">
+              <a:rPr lang="en-US" b="1" dirty="0">
                 <a:solidFill>
                   <a:srgbClr val="FF0000"/>
                 </a:solidFill>
               </a:rPr>
             </a:br>
             <a:r>
-              <a:rPr lang="en-US" dirty="0" smtClean="0">
+              <a:rPr lang="en-US" b="1" dirty="0">
                 <a:solidFill>
                   <a:srgbClr val="FF0000"/>
                 </a:solidFill>
               </a:rPr>
-              <a:t>:-D</a:t>
-            </a:r>
-            <a:endParaRPr lang="en-US" dirty="0">
-              <a:solidFill>
-                <a:srgbClr val="FF0000"/>
-              </a:solidFill>
-            </a:endParaRPr>
+              <a:t>YAAAY!</a:t>
+            </a:r>
           </a:p>
         </p:txBody>
       </p:sp>
@@ -7673,9 +8094,266 @@
   <p:timing>
     <p:tnLst>
       <p:par>
-        <p:cTn xmlns:p14="http://schemas.microsoft.com/office/powerpoint/2010/main" id="1" dur="indefinite" restart="never" nodeType="tmRoot"/>
+        <p:cTn id="1" dur="indefinite" restart="never" nodeType="tmRoot">
+          <p:childTnLst>
+            <p:seq concurrent="1" nextAc="seek">
+              <p:cTn id="2" dur="indefinite" nodeType="mainSeq">
+                <p:childTnLst>
+                  <p:par>
+                    <p:cTn id="3" fill="hold">
+                      <p:stCondLst>
+                        <p:cond delay="indefinite"/>
+                      </p:stCondLst>
+                      <p:childTnLst>
+                        <p:par>
+                          <p:cTn id="4" fill="hold">
+                            <p:stCondLst>
+                              <p:cond delay="0"/>
+                            </p:stCondLst>
+                            <p:childTnLst>
+                              <p:par>
+                                <p:cTn id="5" presetID="10" presetClass="entr" presetSubtype="0" fill="hold" grpId="0" nodeType="clickEffect">
+                                  <p:stCondLst>
+                                    <p:cond delay="0"/>
+                                  </p:stCondLst>
+                                  <p:childTnLst>
+                                    <p:set>
+                                      <p:cBhvr>
+                                        <p:cTn id="6" dur="1" fill="hold">
+                                          <p:stCondLst>
+                                            <p:cond delay="0"/>
+                                          </p:stCondLst>
+                                        </p:cTn>
+                                        <p:tgtEl>
+                                          <p:spTgt spid="8"/>
+                                        </p:tgtEl>
+                                        <p:attrNameLst>
+                                          <p:attrName>style.visibility</p:attrName>
+                                        </p:attrNameLst>
+                                      </p:cBhvr>
+                                      <p:to>
+                                        <p:strVal val="visible"/>
+                                      </p:to>
+                                    </p:set>
+                                    <p:animEffect transition="in" filter="fade">
+                                      <p:cBhvr>
+                                        <p:cTn id="7" dur="500"/>
+                                        <p:tgtEl>
+                                          <p:spTgt spid="8"/>
+                                        </p:tgtEl>
+                                      </p:cBhvr>
+                                    </p:animEffect>
+                                  </p:childTnLst>
+                                </p:cTn>
+                              </p:par>
+                              <p:par>
+                                <p:cTn id="8" presetID="10" presetClass="entr" presetSubtype="0" fill="hold" nodeType="withEffect">
+                                  <p:stCondLst>
+                                    <p:cond delay="0"/>
+                                  </p:stCondLst>
+                                  <p:childTnLst>
+                                    <p:set>
+                                      <p:cBhvr>
+                                        <p:cTn id="9" dur="1" fill="hold">
+                                          <p:stCondLst>
+                                            <p:cond delay="0"/>
+                                          </p:stCondLst>
+                                        </p:cTn>
+                                        <p:tgtEl>
+                                          <p:spTgt spid="5"/>
+                                        </p:tgtEl>
+                                        <p:attrNameLst>
+                                          <p:attrName>style.visibility</p:attrName>
+                                        </p:attrNameLst>
+                                      </p:cBhvr>
+                                      <p:to>
+                                        <p:strVal val="visible"/>
+                                      </p:to>
+                                    </p:set>
+                                    <p:animEffect transition="in" filter="fade">
+                                      <p:cBhvr>
+                                        <p:cTn id="10" dur="500"/>
+                                        <p:tgtEl>
+                                          <p:spTgt spid="5"/>
+                                        </p:tgtEl>
+                                      </p:cBhvr>
+                                    </p:animEffect>
+                                  </p:childTnLst>
+                                </p:cTn>
+                              </p:par>
+                            </p:childTnLst>
+                          </p:cTn>
+                        </p:par>
+                      </p:childTnLst>
+                    </p:cTn>
+                  </p:par>
+                  <p:par>
+                    <p:cTn id="11" fill="hold">
+                      <p:stCondLst>
+                        <p:cond delay="indefinite"/>
+                      </p:stCondLst>
+                      <p:childTnLst>
+                        <p:par>
+                          <p:cTn id="12" fill="hold">
+                            <p:stCondLst>
+                              <p:cond delay="0"/>
+                            </p:stCondLst>
+                            <p:childTnLst>
+                              <p:par>
+                                <p:cTn id="13" presetID="10" presetClass="entr" presetSubtype="0" fill="hold" grpId="0" nodeType="clickEffect">
+                                  <p:stCondLst>
+                                    <p:cond delay="0"/>
+                                  </p:stCondLst>
+                                  <p:childTnLst>
+                                    <p:set>
+                                      <p:cBhvr>
+                                        <p:cTn id="14" dur="1" fill="hold">
+                                          <p:stCondLst>
+                                            <p:cond delay="0"/>
+                                          </p:stCondLst>
+                                        </p:cTn>
+                                        <p:tgtEl>
+                                          <p:spTgt spid="9"/>
+                                        </p:tgtEl>
+                                        <p:attrNameLst>
+                                          <p:attrName>style.visibility</p:attrName>
+                                        </p:attrNameLst>
+                                      </p:cBhvr>
+                                      <p:to>
+                                        <p:strVal val="visible"/>
+                                      </p:to>
+                                    </p:set>
+                                    <p:animEffect transition="in" filter="fade">
+                                      <p:cBhvr>
+                                        <p:cTn id="15" dur="500"/>
+                                        <p:tgtEl>
+                                          <p:spTgt spid="9"/>
+                                        </p:tgtEl>
+                                      </p:cBhvr>
+                                    </p:animEffect>
+                                  </p:childTnLst>
+                                </p:cTn>
+                              </p:par>
+                              <p:par>
+                                <p:cTn id="16" presetID="10" presetClass="entr" presetSubtype="0" fill="hold" nodeType="withEffect">
+                                  <p:stCondLst>
+                                    <p:cond delay="0"/>
+                                  </p:stCondLst>
+                                  <p:childTnLst>
+                                    <p:set>
+                                      <p:cBhvr>
+                                        <p:cTn id="17" dur="1" fill="hold">
+                                          <p:stCondLst>
+                                            <p:cond delay="0"/>
+                                          </p:stCondLst>
+                                        </p:cTn>
+                                        <p:tgtEl>
+                                          <p:spTgt spid="6"/>
+                                        </p:tgtEl>
+                                        <p:attrNameLst>
+                                          <p:attrName>style.visibility</p:attrName>
+                                        </p:attrNameLst>
+                                      </p:cBhvr>
+                                      <p:to>
+                                        <p:strVal val="visible"/>
+                                      </p:to>
+                                    </p:set>
+                                    <p:animEffect transition="in" filter="fade">
+                                      <p:cBhvr>
+                                        <p:cTn id="18" dur="500"/>
+                                        <p:tgtEl>
+                                          <p:spTgt spid="6"/>
+                                        </p:tgtEl>
+                                      </p:cBhvr>
+                                    </p:animEffect>
+                                  </p:childTnLst>
+                                </p:cTn>
+                              </p:par>
+                            </p:childTnLst>
+                          </p:cTn>
+                        </p:par>
+                      </p:childTnLst>
+                    </p:cTn>
+                  </p:par>
+                  <p:par>
+                    <p:cTn id="19" fill="hold">
+                      <p:stCondLst>
+                        <p:cond delay="indefinite"/>
+                      </p:stCondLst>
+                      <p:childTnLst>
+                        <p:par>
+                          <p:cTn id="20" fill="hold">
+                            <p:stCondLst>
+                              <p:cond delay="0"/>
+                            </p:stCondLst>
+                            <p:childTnLst>
+                              <p:par>
+                                <p:cTn id="21" presetID="10" presetClass="entr" presetSubtype="0" fill="hold" grpId="0" nodeType="clickEffect">
+                                  <p:stCondLst>
+                                    <p:cond delay="0"/>
+                                  </p:stCondLst>
+                                  <p:childTnLst>
+                                    <p:set>
+                                      <p:cBhvr>
+                                        <p:cTn id="22" dur="1" fill="hold">
+                                          <p:stCondLst>
+                                            <p:cond delay="0"/>
+                                          </p:stCondLst>
+                                        </p:cTn>
+                                        <p:tgtEl>
+                                          <p:spTgt spid="10"/>
+                                        </p:tgtEl>
+                                        <p:attrNameLst>
+                                          <p:attrName>style.visibility</p:attrName>
+                                        </p:attrNameLst>
+                                      </p:cBhvr>
+                                      <p:to>
+                                        <p:strVal val="visible"/>
+                                      </p:to>
+                                    </p:set>
+                                    <p:animEffect transition="in" filter="fade">
+                                      <p:cBhvr>
+                                        <p:cTn id="23" dur="500"/>
+                                        <p:tgtEl>
+                                          <p:spTgt spid="10"/>
+                                        </p:tgtEl>
+                                      </p:cBhvr>
+                                    </p:animEffect>
+                                  </p:childTnLst>
+                                </p:cTn>
+                              </p:par>
+                            </p:childTnLst>
+                          </p:cTn>
+                        </p:par>
+                      </p:childTnLst>
+                    </p:cTn>
+                  </p:par>
+                </p:childTnLst>
+              </p:cTn>
+              <p:prevCondLst>
+                <p:cond evt="onPrev" delay="0">
+                  <p:tgtEl>
+                    <p:sldTgt/>
+                  </p:tgtEl>
+                </p:cond>
+              </p:prevCondLst>
+              <p:nextCondLst>
+                <p:cond evt="onNext" delay="0">
+                  <p:tgtEl>
+                    <p:sldTgt/>
+                  </p:tgtEl>
+                </p:cond>
+              </p:nextCondLst>
+            </p:seq>
+          </p:childTnLst>
+        </p:cTn>
       </p:par>
     </p:tnLst>
+    <p:bldLst>
+      <p:bldP spid="8" grpId="0"/>
+      <p:bldP spid="9" grpId="0"/>
+      <p:bldP spid="10" grpId="0" animBg="1"/>
+    </p:bldLst>
   </p:timing>
 </p:sld>
 </file>
@@ -7713,10 +8391,9 @@
           <a:lstStyle/>
           <a:p>
             <a:r>
-              <a:rPr lang="en-US" dirty="0" smtClean="0"/>
+              <a:rPr lang="en-US" dirty="0"/>
               <a:t>Benefits</a:t>
             </a:r>
-            <a:endParaRPr lang="en-US" dirty="0"/>
           </a:p>
         </p:txBody>
       </p:sp>
@@ -7741,7 +8418,7 @@
           <a:lstStyle/>
           <a:p>
             <a:r>
-              <a:rPr lang="en-US" dirty="0" smtClean="0"/>
+              <a:rPr lang="en-US" dirty="0"/>
               <a:t>Learn about past patterns in business.</a:t>
             </a:r>
           </a:p>
@@ -7749,45 +8426,21 @@
             <a:pPr marL="0" indent="0">
               <a:buNone/>
             </a:pPr>
-            <a:endParaRPr lang="en-US" dirty="0" smtClean="0"/>
-          </a:p>
-          <a:p>
-            <a:r>
-              <a:rPr lang="en-US" dirty="0" smtClean="0"/>
-              <a:t>Future </a:t>
-            </a:r>
+            <a:endParaRPr lang="en-US" dirty="0"/>
+          </a:p>
+          <a:p>
             <a:r>
               <a:rPr lang="en-US" dirty="0"/>
-              <a:t>trends can be guessed by applying </a:t>
-            </a:r>
-            <a:r>
-              <a:rPr lang="en-US" dirty="0" smtClean="0"/>
-              <a:t>data science algorithms </a:t>
-            </a:r>
+              <a:t>Future trends can be guessed by applying data science algorithms on data.  </a:t>
+            </a:r>
+          </a:p>
+          <a:p>
+            <a:endParaRPr lang="en-US" dirty="0"/>
+          </a:p>
+          <a:p>
             <a:r>
               <a:rPr lang="en-US" dirty="0"/>
-              <a:t>on </a:t>
-            </a:r>
-            <a:r>
-              <a:rPr lang="en-US" dirty="0" smtClean="0"/>
-              <a:t>data.  </a:t>
-            </a:r>
-          </a:p>
-          <a:p>
-            <a:endParaRPr lang="en-US" dirty="0"/>
-          </a:p>
-          <a:p>
-            <a:r>
-              <a:rPr lang="en-US" dirty="0" smtClean="0"/>
-              <a:t>Targeted </a:t>
-            </a:r>
-            <a:r>
-              <a:rPr lang="en-US" dirty="0"/>
-              <a:t>marketing </a:t>
-            </a:r>
-            <a:r>
-              <a:rPr lang="en-US" dirty="0" smtClean="0"/>
-              <a:t>by looking at past user behaviors</a:t>
+              <a:t>Targeted marketing by looking at past user behaviors</a:t>
             </a:r>
           </a:p>
           <a:p>
@@ -7814,13 +8467,6 @@
   <p:clrMapOvr>
     <a:masterClrMapping/>
   </p:clrMapOvr>
-  <p:timing>
-    <p:tnLst>
-      <p:par>
-        <p:cTn xmlns:p14="http://schemas.microsoft.com/office/powerpoint/2010/main" id="1" dur="indefinite" restart="never" nodeType="tmRoot"/>
-      </p:par>
-    </p:tnLst>
-  </p:timing>
 </p:sld>
 </file>
 
@@ -7853,14 +8499,15 @@
         </p:nvSpPr>
         <p:spPr/>
         <p:txBody>
-          <a:bodyPr/>
-          <a:lstStyle/>
-          <a:p>
-            <a:r>
-              <a:rPr lang="en-US" dirty="0" smtClean="0"/>
+          <a:bodyPr>
+            <a:normAutofit fontScale="90000"/>
+          </a:bodyPr>
+          <a:lstStyle/>
+          <a:p>
+            <a:r>
+              <a:rPr lang="en-US" dirty="0"/>
               <a:t>Amazon, Umbrellas and Weather</a:t>
             </a:r>
-            <a:endParaRPr lang="en-US" dirty="0"/>
           </a:p>
         </p:txBody>
       </p:sp>
@@ -7964,13 +8611,6 @@
   <p:clrMapOvr>
     <a:masterClrMapping/>
   </p:clrMapOvr>
-  <p:timing>
-    <p:tnLst>
-      <p:par>
-        <p:cTn xmlns:p14="http://schemas.microsoft.com/office/powerpoint/2010/main" id="1" dur="indefinite" restart="never" nodeType="tmRoot"/>
-      </p:par>
-    </p:tnLst>
-  </p:timing>
 </p:sld>
 </file>
 

--- a/HBTechTalk.pptx
+++ b/HBTechTalk.pptx
@@ -125,7 +125,7 @@
   </p:defaultTextStyle>
   <p:extLst>
     <p:ext uri="{EFAFB233-063F-42B5-8137-9DF3F51BA10A}">
-      <p15:sldGuideLst xmlns:p15="http://schemas.microsoft.com/office/powerpoint/2012/main">
+      <p15:sldGuideLst xmlns:p15="http://schemas.microsoft.com/office/powerpoint/2012/main" xmlns="">
         <p15:guide id="1" orient="horz" pos="2160">
           <p15:clr>
             <a:srgbClr val="A4A3A4"/>
@@ -228,7 +228,7 @@
           <a:p>
             <a:fld id="{0FE74745-D45D-B94B-BB42-FF3F59C5ACF8}" type="datetimeFigureOut">
               <a:rPr lang="en-US" smtClean="0"/>
-              <a:t>1/11/2018</a:t>
+              <a:t>1/14/18</a:t>
             </a:fld>
             <a:endParaRPr lang="en-US"/>
           </a:p>
@@ -2255,7 +2255,7 @@
           <a:p>
             <a:fld id="{0FF60B50-4652-3C48-A27A-EE3A74F260CA}" type="datetimeFigureOut">
               <a:rPr lang="en-US" smtClean="0"/>
-              <a:t>1/11/2018</a:t>
+              <a:t>1/14/18</a:t>
             </a:fld>
             <a:endParaRPr lang="en-US"/>
           </a:p>
@@ -2423,7 +2423,7 @@
           <a:p>
             <a:fld id="{0FF60B50-4652-3C48-A27A-EE3A74F260CA}" type="datetimeFigureOut">
               <a:rPr lang="en-US" smtClean="0"/>
-              <a:t>1/11/2018</a:t>
+              <a:t>1/14/18</a:t>
             </a:fld>
             <a:endParaRPr lang="en-US"/>
           </a:p>
@@ -2601,7 +2601,7 @@
           <a:p>
             <a:fld id="{0FF60B50-4652-3C48-A27A-EE3A74F260CA}" type="datetimeFigureOut">
               <a:rPr lang="en-US" smtClean="0"/>
-              <a:t>1/11/2018</a:t>
+              <a:t>1/14/18</a:t>
             </a:fld>
             <a:endParaRPr lang="en-US"/>
           </a:p>
@@ -2769,7 +2769,7 @@
           <a:p>
             <a:fld id="{0FF60B50-4652-3C48-A27A-EE3A74F260CA}" type="datetimeFigureOut">
               <a:rPr lang="en-US" smtClean="0"/>
-              <a:t>1/11/2018</a:t>
+              <a:t>1/14/18</a:t>
             </a:fld>
             <a:endParaRPr lang="en-US"/>
           </a:p>
@@ -3014,7 +3014,7 @@
           <a:p>
             <a:fld id="{0FF60B50-4652-3C48-A27A-EE3A74F260CA}" type="datetimeFigureOut">
               <a:rPr lang="en-US" smtClean="0"/>
-              <a:t>1/11/2018</a:t>
+              <a:t>1/14/18</a:t>
             </a:fld>
             <a:endParaRPr lang="en-US"/>
           </a:p>
@@ -3299,7 +3299,7 @@
           <a:p>
             <a:fld id="{0FF60B50-4652-3C48-A27A-EE3A74F260CA}" type="datetimeFigureOut">
               <a:rPr lang="en-US" smtClean="0"/>
-              <a:t>1/11/2018</a:t>
+              <a:t>1/14/18</a:t>
             </a:fld>
             <a:endParaRPr lang="en-US"/>
           </a:p>
@@ -3718,7 +3718,7 @@
           <a:p>
             <a:fld id="{0FF60B50-4652-3C48-A27A-EE3A74F260CA}" type="datetimeFigureOut">
               <a:rPr lang="en-US" smtClean="0"/>
-              <a:t>1/11/2018</a:t>
+              <a:t>1/14/18</a:t>
             </a:fld>
             <a:endParaRPr lang="en-US"/>
           </a:p>
@@ -3835,7 +3835,7 @@
           <a:p>
             <a:fld id="{0FF60B50-4652-3C48-A27A-EE3A74F260CA}" type="datetimeFigureOut">
               <a:rPr lang="en-US" smtClean="0"/>
-              <a:t>1/11/2018</a:t>
+              <a:t>1/14/18</a:t>
             </a:fld>
             <a:endParaRPr lang="en-US"/>
           </a:p>
@@ -3930,7 +3930,7 @@
           <a:p>
             <a:fld id="{0FF60B50-4652-3C48-A27A-EE3A74F260CA}" type="datetimeFigureOut">
               <a:rPr lang="en-US" smtClean="0"/>
-              <a:t>1/11/2018</a:t>
+              <a:t>1/14/18</a:t>
             </a:fld>
             <a:endParaRPr lang="en-US"/>
           </a:p>
@@ -4205,7 +4205,7 @@
           <a:p>
             <a:fld id="{0FF60B50-4652-3C48-A27A-EE3A74F260CA}" type="datetimeFigureOut">
               <a:rPr lang="en-US" smtClean="0"/>
-              <a:t>1/11/2018</a:t>
+              <a:t>1/14/18</a:t>
             </a:fld>
             <a:endParaRPr lang="en-US"/>
           </a:p>
@@ -4457,7 +4457,7 @@
           <a:p>
             <a:fld id="{0FF60B50-4652-3C48-A27A-EE3A74F260CA}" type="datetimeFigureOut">
               <a:rPr lang="en-US" smtClean="0"/>
-              <a:t>1/11/2018</a:t>
+              <a:t>1/14/18</a:t>
             </a:fld>
             <a:endParaRPr lang="en-US"/>
           </a:p>
@@ -4668,7 +4668,7 @@
           <a:p>
             <a:fld id="{0FF60B50-4652-3C48-A27A-EE3A74F260CA}" type="datetimeFigureOut">
               <a:rPr lang="en-US" smtClean="0"/>
-              <a:t>1/11/2018</a:t>
+              <a:t>1/14/18</a:t>
             </a:fld>
             <a:endParaRPr lang="en-US"/>
           </a:p>
@@ -5157,6 +5157,13 @@
   <p:clrMapOvr>
     <a:masterClrMapping/>
   </p:clrMapOvr>
+  <p:timing>
+    <p:tnLst>
+      <p:par>
+        <p:cTn xmlns:p14="http://schemas.microsoft.com/office/powerpoint/2010/main" id="1" dur="indefinite" restart="never" nodeType="tmRoot"/>
+      </p:par>
+    </p:tnLst>
+  </p:timing>
 </p:sld>
 </file>
 
@@ -5235,35 +5242,35 @@
                 <a:gridCol w="1219200">
                   <a:extLst>
                     <a:ext uri="{9D8B030D-6E8A-4147-A177-3AD203B41FA5}">
-                      <a16:colId xmlns:a16="http://schemas.microsoft.com/office/drawing/2014/main" val="20000"/>
+                      <a16:colId xmlns:a16="http://schemas.microsoft.com/office/drawing/2014/main" xmlns="" val="20000"/>
                     </a:ext>
                   </a:extLst>
                 </a:gridCol>
                 <a:gridCol w="1219200">
                   <a:extLst>
                     <a:ext uri="{9D8B030D-6E8A-4147-A177-3AD203B41FA5}">
-                      <a16:colId xmlns:a16="http://schemas.microsoft.com/office/drawing/2014/main" val="20001"/>
+                      <a16:colId xmlns:a16="http://schemas.microsoft.com/office/drawing/2014/main" xmlns="" val="20001"/>
                     </a:ext>
                   </a:extLst>
                 </a:gridCol>
                 <a:gridCol w="1219200">
                   <a:extLst>
                     <a:ext uri="{9D8B030D-6E8A-4147-A177-3AD203B41FA5}">
-                      <a16:colId xmlns:a16="http://schemas.microsoft.com/office/drawing/2014/main" val="20002"/>
+                      <a16:colId xmlns:a16="http://schemas.microsoft.com/office/drawing/2014/main" xmlns="" val="20002"/>
                     </a:ext>
                   </a:extLst>
                 </a:gridCol>
                 <a:gridCol w="1219200">
                   <a:extLst>
                     <a:ext uri="{9D8B030D-6E8A-4147-A177-3AD203B41FA5}">
-                      <a16:colId xmlns:a16="http://schemas.microsoft.com/office/drawing/2014/main" val="20003"/>
+                      <a16:colId xmlns:a16="http://schemas.microsoft.com/office/drawing/2014/main" xmlns="" val="20003"/>
                     </a:ext>
                   </a:extLst>
                 </a:gridCol>
                 <a:gridCol w="1219200">
                   <a:extLst>
                     <a:ext uri="{9D8B030D-6E8A-4147-A177-3AD203B41FA5}">
-                      <a16:colId xmlns:a16="http://schemas.microsoft.com/office/drawing/2014/main" val="20004"/>
+                      <a16:colId xmlns:a16="http://schemas.microsoft.com/office/drawing/2014/main" xmlns="" val="20004"/>
                     </a:ext>
                   </a:extLst>
                 </a:gridCol>
@@ -5344,7 +5351,7 @@
                 </a:tc>
                 <a:extLst>
                   <a:ext uri="{0D108BD9-81ED-4DB2-BD59-A6C34878D82A}">
-                    <a16:rowId xmlns:a16="http://schemas.microsoft.com/office/drawing/2014/main" val="10000"/>
+                    <a16:rowId xmlns:a16="http://schemas.microsoft.com/office/drawing/2014/main" xmlns="" val="10000"/>
                   </a:ext>
                 </a:extLst>
               </a:tr>
@@ -5401,7 +5408,7 @@
                 </a:tc>
                 <a:extLst>
                   <a:ext uri="{0D108BD9-81ED-4DB2-BD59-A6C34878D82A}">
-                    <a16:rowId xmlns:a16="http://schemas.microsoft.com/office/drawing/2014/main" val="10001"/>
+                    <a16:rowId xmlns:a16="http://schemas.microsoft.com/office/drawing/2014/main" xmlns="" val="10001"/>
                   </a:ext>
                 </a:extLst>
               </a:tr>
@@ -5437,28 +5444,28 @@
                 <a:gridCol w="1524000">
                   <a:extLst>
                     <a:ext uri="{9D8B030D-6E8A-4147-A177-3AD203B41FA5}">
-                      <a16:colId xmlns:a16="http://schemas.microsoft.com/office/drawing/2014/main" val="20000"/>
+                      <a16:colId xmlns:a16="http://schemas.microsoft.com/office/drawing/2014/main" xmlns="" val="20000"/>
                     </a:ext>
                   </a:extLst>
                 </a:gridCol>
                 <a:gridCol w="1524000">
                   <a:extLst>
                     <a:ext uri="{9D8B030D-6E8A-4147-A177-3AD203B41FA5}">
-                      <a16:colId xmlns:a16="http://schemas.microsoft.com/office/drawing/2014/main" val="20001"/>
+                      <a16:colId xmlns:a16="http://schemas.microsoft.com/office/drawing/2014/main" xmlns="" val="20001"/>
                     </a:ext>
                   </a:extLst>
                 </a:gridCol>
                 <a:gridCol w="1524000">
                   <a:extLst>
                     <a:ext uri="{9D8B030D-6E8A-4147-A177-3AD203B41FA5}">
-                      <a16:colId xmlns:a16="http://schemas.microsoft.com/office/drawing/2014/main" val="20002"/>
+                      <a16:colId xmlns:a16="http://schemas.microsoft.com/office/drawing/2014/main" xmlns="" val="20002"/>
                     </a:ext>
                   </a:extLst>
                 </a:gridCol>
                 <a:gridCol w="1524000">
                   <a:extLst>
                     <a:ext uri="{9D8B030D-6E8A-4147-A177-3AD203B41FA5}">
-                      <a16:colId xmlns:a16="http://schemas.microsoft.com/office/drawing/2014/main" val="20003"/>
+                      <a16:colId xmlns:a16="http://schemas.microsoft.com/office/drawing/2014/main" xmlns="" val="20003"/>
                     </a:ext>
                   </a:extLst>
                 </a:gridCol>
@@ -5525,7 +5532,7 @@
                 </a:tc>
                 <a:extLst>
                   <a:ext uri="{0D108BD9-81ED-4DB2-BD59-A6C34878D82A}">
-                    <a16:rowId xmlns:a16="http://schemas.microsoft.com/office/drawing/2014/main" val="10000"/>
+                    <a16:rowId xmlns:a16="http://schemas.microsoft.com/office/drawing/2014/main" xmlns="" val="10000"/>
                   </a:ext>
                 </a:extLst>
               </a:tr>
@@ -5576,7 +5583,7 @@
                 </a:tc>
                 <a:extLst>
                   <a:ext uri="{0D108BD9-81ED-4DB2-BD59-A6C34878D82A}">
-                    <a16:rowId xmlns:a16="http://schemas.microsoft.com/office/drawing/2014/main" val="10001"/>
+                    <a16:rowId xmlns:a16="http://schemas.microsoft.com/office/drawing/2014/main" xmlns="" val="10001"/>
                   </a:ext>
                 </a:extLst>
               </a:tr>
@@ -5612,28 +5619,28 @@
                 <a:gridCol w="1524000">
                   <a:extLst>
                     <a:ext uri="{9D8B030D-6E8A-4147-A177-3AD203B41FA5}">
-                      <a16:colId xmlns:a16="http://schemas.microsoft.com/office/drawing/2014/main" val="20000"/>
+                      <a16:colId xmlns:a16="http://schemas.microsoft.com/office/drawing/2014/main" xmlns="" val="20000"/>
                     </a:ext>
                   </a:extLst>
                 </a:gridCol>
                 <a:gridCol w="1524000">
                   <a:extLst>
                     <a:ext uri="{9D8B030D-6E8A-4147-A177-3AD203B41FA5}">
-                      <a16:colId xmlns:a16="http://schemas.microsoft.com/office/drawing/2014/main" val="20001"/>
+                      <a16:colId xmlns:a16="http://schemas.microsoft.com/office/drawing/2014/main" xmlns="" val="20001"/>
                     </a:ext>
                   </a:extLst>
                 </a:gridCol>
                 <a:gridCol w="1524000">
                   <a:extLst>
                     <a:ext uri="{9D8B030D-6E8A-4147-A177-3AD203B41FA5}">
-                      <a16:colId xmlns:a16="http://schemas.microsoft.com/office/drawing/2014/main" val="20002"/>
+                      <a16:colId xmlns:a16="http://schemas.microsoft.com/office/drawing/2014/main" xmlns="" val="20002"/>
                     </a:ext>
                   </a:extLst>
                 </a:gridCol>
                 <a:gridCol w="1524000">
                   <a:extLst>
                     <a:ext uri="{9D8B030D-6E8A-4147-A177-3AD203B41FA5}">
-                      <a16:colId xmlns:a16="http://schemas.microsoft.com/office/drawing/2014/main" val="20003"/>
+                      <a16:colId xmlns:a16="http://schemas.microsoft.com/office/drawing/2014/main" xmlns="" val="20003"/>
                     </a:ext>
                   </a:extLst>
                 </a:gridCol>
@@ -5700,7 +5707,7 @@
                 </a:tc>
                 <a:extLst>
                   <a:ext uri="{0D108BD9-81ED-4DB2-BD59-A6C34878D82A}">
-                    <a16:rowId xmlns:a16="http://schemas.microsoft.com/office/drawing/2014/main" val="10000"/>
+                    <a16:rowId xmlns:a16="http://schemas.microsoft.com/office/drawing/2014/main" xmlns="" val="10000"/>
                   </a:ext>
                 </a:extLst>
               </a:tr>
@@ -5747,7 +5754,7 @@
                 </a:tc>
                 <a:extLst>
                   <a:ext uri="{0D108BD9-81ED-4DB2-BD59-A6C34878D82A}">
-                    <a16:rowId xmlns:a16="http://schemas.microsoft.com/office/drawing/2014/main" val="10001"/>
+                    <a16:rowId xmlns:a16="http://schemas.microsoft.com/office/drawing/2014/main" xmlns="" val="10001"/>
                   </a:ext>
                 </a:extLst>
               </a:tr>
@@ -5783,21 +5790,21 @@
                 <a:gridCol w="2032000">
                   <a:extLst>
                     <a:ext uri="{9D8B030D-6E8A-4147-A177-3AD203B41FA5}">
-                      <a16:colId xmlns:a16="http://schemas.microsoft.com/office/drawing/2014/main" val="20000"/>
+                      <a16:colId xmlns:a16="http://schemas.microsoft.com/office/drawing/2014/main" xmlns="" val="20000"/>
                     </a:ext>
                   </a:extLst>
                 </a:gridCol>
                 <a:gridCol w="2032000">
                   <a:extLst>
                     <a:ext uri="{9D8B030D-6E8A-4147-A177-3AD203B41FA5}">
-                      <a16:colId xmlns:a16="http://schemas.microsoft.com/office/drawing/2014/main" val="20001"/>
+                      <a16:colId xmlns:a16="http://schemas.microsoft.com/office/drawing/2014/main" xmlns="" val="20001"/>
                     </a:ext>
                   </a:extLst>
                 </a:gridCol>
                 <a:gridCol w="2032000">
                   <a:extLst>
                     <a:ext uri="{9D8B030D-6E8A-4147-A177-3AD203B41FA5}">
-                      <a16:colId xmlns:a16="http://schemas.microsoft.com/office/drawing/2014/main" val="20002"/>
+                      <a16:colId xmlns:a16="http://schemas.microsoft.com/office/drawing/2014/main" xmlns="" val="20002"/>
                     </a:ext>
                   </a:extLst>
                 </a:gridCol>
@@ -5849,7 +5856,7 @@
                 </a:tc>
                 <a:extLst>
                   <a:ext uri="{0D108BD9-81ED-4DB2-BD59-A6C34878D82A}">
-                    <a16:rowId xmlns:a16="http://schemas.microsoft.com/office/drawing/2014/main" val="10000"/>
+                    <a16:rowId xmlns:a16="http://schemas.microsoft.com/office/drawing/2014/main" xmlns="" val="10000"/>
                   </a:ext>
                 </a:extLst>
               </a:tr>
@@ -5886,7 +5893,7 @@
                 </a:tc>
                 <a:extLst>
                   <a:ext uri="{0D108BD9-81ED-4DB2-BD59-A6C34878D82A}">
-                    <a16:rowId xmlns:a16="http://schemas.microsoft.com/office/drawing/2014/main" val="10001"/>
+                    <a16:rowId xmlns:a16="http://schemas.microsoft.com/office/drawing/2014/main" xmlns="" val="10001"/>
                   </a:ext>
                 </a:extLst>
               </a:tr>
@@ -5907,7 +5914,7 @@
   <p:timing>
     <p:tnLst>
       <p:par>
-        <p:cTn id="1" dur="indefinite" restart="never" nodeType="tmRoot">
+        <p:cTn xmlns:p14="http://schemas.microsoft.com/office/powerpoint/2010/main" id="1" dur="indefinite" restart="never" nodeType="tmRoot">
           <p:childTnLst>
             <p:seq concurrent="1" nextAc="seek">
               <p:cTn id="2" dur="indefinite" nodeType="mainSeq">
@@ -6266,6 +6273,13 @@
   <p:clrMapOvr>
     <a:masterClrMapping/>
   </p:clrMapOvr>
+  <p:timing>
+    <p:tnLst>
+      <p:par>
+        <p:cTn xmlns:p14="http://schemas.microsoft.com/office/powerpoint/2010/main" id="1" dur="indefinite" restart="never" nodeType="tmRoot"/>
+      </p:par>
+    </p:tnLst>
+  </p:timing>
 </p:sld>
 </file>
 
@@ -6486,7 +6500,7 @@
   <p:timing>
     <p:tnLst>
       <p:par>
-        <p:cTn id="1" dur="indefinite" restart="never" nodeType="tmRoot">
+        <p:cTn xmlns:p14="http://schemas.microsoft.com/office/powerpoint/2010/main" id="1" dur="indefinite" restart="never" nodeType="tmRoot">
           <p:childTnLst>
             <p:seq concurrent="1" nextAc="seek">
               <p:cTn id="2" dur="indefinite" nodeType="mainSeq">
@@ -6807,7 +6821,7 @@
         </p:blipFill>
         <p:spPr>
           <a:xfrm>
-            <a:off x="229509" y="1765990"/>
+            <a:off x="318939" y="2588838"/>
             <a:ext cx="1331149" cy="1331149"/>
           </a:xfrm>
           <a:prstGeom prst="rect">
@@ -6823,8 +6837,8 @@
         </p:nvSpPr>
         <p:spPr>
           <a:xfrm>
-            <a:off x="457200" y="3043535"/>
-            <a:ext cx="918034" cy="369332"/>
+            <a:off x="546630" y="3866383"/>
+            <a:ext cx="918034" cy="477054"/>
           </a:xfrm>
           <a:prstGeom prst="rect">
             <a:avLst/>
@@ -6839,9 +6853,47 @@
           <a:p>
             <a:pPr algn="ctr"/>
             <a:r>
-              <a:rPr lang="en-US" dirty="0"/>
+              <a:rPr lang="en-US" sz="2500" dirty="0"/>
               <a:t>API</a:t>
             </a:r>
+          </a:p>
+        </p:txBody>
+      </p:sp>
+      <p:sp>
+        <p:nvSpPr>
+          <p:cNvPr id="3" name="Right Arrow 2"/>
+          <p:cNvSpPr/>
+          <p:nvPr/>
+        </p:nvSpPr>
+        <p:spPr>
+          <a:xfrm rot="19608351">
+            <a:off x="1699129" y="2987372"/>
+            <a:ext cx="733308" cy="268327"/>
+          </a:xfrm>
+          <a:prstGeom prst="rightArrow">
+            <a:avLst/>
+          </a:prstGeom>
+        </p:spPr>
+        <p:style>
+          <a:lnRef idx="1">
+            <a:schemeClr val="accent1"/>
+          </a:lnRef>
+          <a:fillRef idx="2">
+            <a:schemeClr val="accent1"/>
+          </a:fillRef>
+          <a:effectRef idx="1">
+            <a:schemeClr val="accent1"/>
+          </a:effectRef>
+          <a:fontRef idx="minor">
+            <a:schemeClr val="dk1"/>
+          </a:fontRef>
+        </p:style>
+        <p:txBody>
+          <a:bodyPr rtlCol="0" anchor="ctr"/>
+          <a:lstStyle/>
+          <a:p>
+            <a:pPr algn="ctr"/>
+            <a:endParaRPr lang="en-US"/>
           </a:p>
         </p:txBody>
       </p:sp>
@@ -6858,7 +6910,7 @@
   <p:timing>
     <p:tnLst>
       <p:par>
-        <p:cTn id="1" dur="indefinite" restart="never" nodeType="tmRoot">
+        <p:cTn xmlns:p14="http://schemas.microsoft.com/office/powerpoint/2010/main" id="1" dur="indefinite" restart="never" nodeType="tmRoot">
           <p:childTnLst>
             <p:seq concurrent="1" nextAc="seek">
               <p:cTn id="2" dur="indefinite" nodeType="mainSeq">
@@ -7023,6 +7075,13 @@
   <p:clrMapOvr>
     <a:masterClrMapping/>
   </p:clrMapOvr>
+  <p:timing>
+    <p:tnLst>
+      <p:par>
+        <p:cTn xmlns:p14="http://schemas.microsoft.com/office/powerpoint/2010/main" id="1" dur="indefinite" restart="never" nodeType="tmRoot"/>
+      </p:par>
+    </p:tnLst>
+  </p:timing>
 </p:sld>
 </file>
 
@@ -7087,31 +7146,39 @@
           <a:p>
             <a:r>
               <a:rPr lang="en-US" dirty="0"/>
-              <a:t>What season do people buy umbrellas?</a:t>
-            </a:r>
-          </a:p>
-          <a:p>
+              <a:t>What else do </a:t>
+            </a:r>
+            <a:r>
+              <a:rPr lang="en-US" dirty="0" smtClean="0"/>
+              <a:t>people buy, along with umbrellas </a:t>
+            </a:r>
             <a:r>
               <a:rPr lang="en-US" dirty="0"/>
-              <a:t>How long do people wait after first rain to buy umbrellas?  </a:t>
-            </a:r>
+              <a:t>in same season? </a:t>
+            </a:r>
+            <a:endParaRPr lang="en-US" dirty="0" smtClean="0"/>
+          </a:p>
+          <a:p>
+            <a:endParaRPr lang="en-US" dirty="0" smtClean="0"/>
+          </a:p>
+          <a:p>
+            <a:r>
+              <a:rPr lang="en-US" dirty="0" smtClean="0"/>
+              <a:t>How </a:t>
+            </a:r>
+            <a:r>
+              <a:rPr lang="en-US" dirty="0"/>
+              <a:t>long do people wait after first rain to buy umbrellas?  </a:t>
+            </a:r>
+            <a:endParaRPr lang="en-US" dirty="0" smtClean="0"/>
+          </a:p>
+          <a:p>
+            <a:endParaRPr lang="en-US" dirty="0"/>
           </a:p>
           <a:p>
             <a:r>
               <a:rPr lang="en-US" dirty="0"/>
               <a:t>How long do people wait before peak rainfall to buy umbrellas? </a:t>
-            </a:r>
-          </a:p>
-          <a:p>
-            <a:r>
-              <a:rPr lang="en-US" dirty="0"/>
-              <a:t>What else do same people buy in same season? </a:t>
-            </a:r>
-          </a:p>
-          <a:p>
-            <a:r>
-              <a:rPr lang="en-US" dirty="0"/>
-              <a:t>What other zip codes have similar weather patterns? </a:t>
             </a:r>
           </a:p>
         </p:txBody>
@@ -7126,6 +7193,13 @@
   <p:clrMapOvr>
     <a:masterClrMapping/>
   </p:clrMapOvr>
+  <p:timing>
+    <p:tnLst>
+      <p:par>
+        <p:cTn xmlns:p14="http://schemas.microsoft.com/office/powerpoint/2010/main" id="1" dur="indefinite" restart="never" nodeType="tmRoot"/>
+      </p:par>
+    </p:tnLst>
+  </p:timing>
 </p:sld>
 </file>
 
@@ -7151,7 +7225,7 @@
           <p:cNvPr id="8" name="Picture 7">
             <a:extLst>
               <a:ext uri="{FF2B5EF4-FFF2-40B4-BE49-F238E27FC236}">
-                <a16:creationId xmlns:a16="http://schemas.microsoft.com/office/drawing/2014/main" id="{38A921BF-4AC0-441D-A122-045C15265740}"/>
+                <a16:creationId xmlns:a16="http://schemas.microsoft.com/office/drawing/2014/main" xmlns="" id="{38A921BF-4AC0-441D-A122-045C15265740}"/>
               </a:ext>
             </a:extLst>
           </p:cNvPr>
@@ -7186,6 +7260,13 @@
   <p:clrMapOvr>
     <a:masterClrMapping/>
   </p:clrMapOvr>
+  <p:timing>
+    <p:tnLst>
+      <p:par>
+        <p:cTn xmlns:p14="http://schemas.microsoft.com/office/powerpoint/2010/main" id="1" dur="indefinite" restart="never" nodeType="tmRoot"/>
+      </p:par>
+    </p:tnLst>
+  </p:timing>
 </p:sld>
 </file>
 
@@ -7244,6 +7325,13 @@
   <p:clrMapOvr>
     <a:masterClrMapping/>
   </p:clrMapOvr>
+  <p:timing>
+    <p:tnLst>
+      <p:par>
+        <p:cTn xmlns:p14="http://schemas.microsoft.com/office/powerpoint/2010/main" id="1" dur="indefinite" restart="never" nodeType="tmRoot"/>
+      </p:par>
+    </p:tnLst>
+  </p:timing>
 </p:sld>
 </file>
 
@@ -7304,6 +7392,13 @@
   <p:clrMapOvr>
     <a:masterClrMapping/>
   </p:clrMapOvr>
+  <p:timing>
+    <p:tnLst>
+      <p:par>
+        <p:cTn xmlns:p14="http://schemas.microsoft.com/office/powerpoint/2010/main" id="1" dur="indefinite" restart="never" nodeType="tmRoot"/>
+      </p:par>
+    </p:tnLst>
+  </p:timing>
 </p:sld>
 </file>
 
@@ -7536,6 +7631,13 @@
   <p:clrMapOvr>
     <a:masterClrMapping/>
   </p:clrMapOvr>
+  <p:timing>
+    <p:tnLst>
+      <p:par>
+        <p:cTn xmlns:p14="http://schemas.microsoft.com/office/powerpoint/2010/main" id="1" dur="indefinite" restart="never" nodeType="tmRoot"/>
+      </p:par>
+    </p:tnLst>
+  </p:timing>
 </p:sld>
 </file>
 
@@ -7596,6 +7698,13 @@
   <p:clrMapOvr>
     <a:masterClrMapping/>
   </p:clrMapOvr>
+  <p:timing>
+    <p:tnLst>
+      <p:par>
+        <p:cTn xmlns:p14="http://schemas.microsoft.com/office/powerpoint/2010/main" id="1" dur="indefinite" restart="never" nodeType="tmRoot"/>
+      </p:par>
+    </p:tnLst>
+  </p:timing>
 </p:sld>
 </file>
 
@@ -7656,6 +7765,13 @@
   <p:clrMapOvr>
     <a:masterClrMapping/>
   </p:clrMapOvr>
+  <p:timing>
+    <p:tnLst>
+      <p:par>
+        <p:cTn xmlns:p14="http://schemas.microsoft.com/office/powerpoint/2010/main" id="1" dur="indefinite" restart="never" nodeType="tmRoot"/>
+      </p:par>
+    </p:tnLst>
+  </p:timing>
 </p:sld>
 </file>
 
@@ -7794,6 +7910,13 @@
   <p:clrMapOvr>
     <a:masterClrMapping/>
   </p:clrMapOvr>
+  <p:timing>
+    <p:tnLst>
+      <p:par>
+        <p:cTn xmlns:p14="http://schemas.microsoft.com/office/powerpoint/2010/main" id="1" dur="indefinite" restart="never" nodeType="tmRoot"/>
+      </p:par>
+    </p:tnLst>
+  </p:timing>
 </p:sld>
 </file>
 
@@ -8094,7 +8217,7 @@
   <p:timing>
     <p:tnLst>
       <p:par>
-        <p:cTn id="1" dur="indefinite" restart="never" nodeType="tmRoot">
+        <p:cTn xmlns:p14="http://schemas.microsoft.com/office/powerpoint/2010/main" id="1" dur="indefinite" restart="never" nodeType="tmRoot">
           <p:childTnLst>
             <p:seq concurrent="1" nextAc="seek">
               <p:cTn id="2" dur="indefinite" nodeType="mainSeq">
@@ -8467,6 +8590,13 @@
   <p:clrMapOvr>
     <a:masterClrMapping/>
   </p:clrMapOvr>
+  <p:timing>
+    <p:tnLst>
+      <p:par>
+        <p:cTn xmlns:p14="http://schemas.microsoft.com/office/powerpoint/2010/main" id="1" dur="indefinite" restart="never" nodeType="tmRoot"/>
+      </p:par>
+    </p:tnLst>
+  </p:timing>
 </p:sld>
 </file>
 
@@ -8500,7 +8630,7 @@
         <p:spPr/>
         <p:txBody>
           <a:bodyPr>
-            <a:normAutofit fontScale="90000"/>
+            <a:normAutofit/>
           </a:bodyPr>
           <a:lstStyle/>
           <a:p>
@@ -8611,6 +8741,13 @@
   <p:clrMapOvr>
     <a:masterClrMapping/>
   </p:clrMapOvr>
+  <p:timing>
+    <p:tnLst>
+      <p:par>
+        <p:cTn xmlns:p14="http://schemas.microsoft.com/office/powerpoint/2010/main" id="1" dur="indefinite" restart="never" nodeType="tmRoot"/>
+      </p:par>
+    </p:tnLst>
+  </p:timing>
 </p:sld>
 </file>
 
